--- a/git및github첫걸음 정리본/git및github첫걸음3-forkclonePR.pptx
+++ b/git및github첫걸음 정리본/git및github첫걸음3-forkclonePR.pptx
@@ -5,7 +5,7 @@
     <p:sldMasterId id="2147483660" r:id="rId1"/>
   </p:sldMasterIdLst>
   <p:notesMasterIdLst>
-    <p:notesMasterId r:id="rId50"/>
+    <p:notesMasterId r:id="rId51"/>
   </p:notesMasterIdLst>
   <p:sldIdLst>
     <p:sldId id="369" r:id="rId2"/>
@@ -53,9 +53,10 @@
     <p:sldId id="474" r:id="rId44"/>
     <p:sldId id="475" r:id="rId45"/>
     <p:sldId id="493" r:id="rId46"/>
-    <p:sldId id="476" r:id="rId47"/>
-    <p:sldId id="480" r:id="rId48"/>
-    <p:sldId id="479" r:id="rId49"/>
+    <p:sldId id="495" r:id="rId47"/>
+    <p:sldId id="476" r:id="rId48"/>
+    <p:sldId id="480" r:id="rId49"/>
+    <p:sldId id="479" r:id="rId50"/>
   </p:sldIdLst>
   <p:sldSz cx="9144000" cy="6858000" type="screen4x3"/>
   <p:notesSz cx="6858000" cy="9144000"/>
@@ -255,7 +256,7 @@
           <a:p>
             <a:fld id="{A17B9194-BDE3-40E3-983E-94CE6FA773AF}" type="datetimeFigureOut">
               <a:rPr lang="ko-KR" altLang="en-US" smtClean="0"/>
-              <a:t>2021-07-06</a:t>
+              <a:t>2021-07-13</a:t>
             </a:fld>
             <a:endParaRPr lang="ko-KR" altLang="en-US"/>
           </a:p>
@@ -4977,14 +4978,6 @@
           <a:bodyPr/>
           <a:lstStyle/>
           <a:p>
-            <a:r>
-              <a:rPr lang="ko-KR" altLang="en-US" dirty="0"/>
-              <a:t>참조 </a:t>
-            </a:r>
-            <a:r>
-              <a:rPr lang="en-US" altLang="ko-KR" dirty="0"/>
-              <a:t>: https://opensource.com/article/19/7/create-pull-request-github</a:t>
-            </a:r>
             <a:endParaRPr lang="ko-KR" altLang="en-US" dirty="0"/>
           </a:p>
         </p:txBody>
@@ -5015,7 +5008,7 @@
     </p:spTree>
     <p:extLst>
       <p:ext uri="{BB962C8B-B14F-4D97-AF65-F5344CB8AC3E}">
-        <p14:creationId xmlns:p14="http://schemas.microsoft.com/office/powerpoint/2010/main" val="3921415717"/>
+        <p14:creationId xmlns:p14="http://schemas.microsoft.com/office/powerpoint/2010/main" val="1152092910"/>
       </p:ext>
     </p:extLst>
   </p:cSld>
@@ -5069,6 +5062,14 @@
           <a:bodyPr/>
           <a:lstStyle/>
           <a:p>
+            <a:r>
+              <a:rPr lang="ko-KR" altLang="en-US" dirty="0"/>
+              <a:t>참조 </a:t>
+            </a:r>
+            <a:r>
+              <a:rPr lang="en-US" altLang="ko-KR" dirty="0"/>
+              <a:t>: https://opensource.com/article/19/7/create-pull-request-github</a:t>
+            </a:r>
             <a:endParaRPr lang="ko-KR" altLang="en-US" dirty="0"/>
           </a:p>
         </p:txBody>
@@ -5099,7 +5100,7 @@
     </p:spTree>
     <p:extLst>
       <p:ext uri="{BB962C8B-B14F-4D97-AF65-F5344CB8AC3E}">
-        <p14:creationId xmlns:p14="http://schemas.microsoft.com/office/powerpoint/2010/main" val="643792404"/>
+        <p14:creationId xmlns:p14="http://schemas.microsoft.com/office/powerpoint/2010/main" val="3921415717"/>
       </p:ext>
     </p:extLst>
   </p:cSld>
@@ -5175,6 +5176,90 @@
             <a:fld id="{625D4AC4-540A-4436-887D-BF6A8FCF1275}" type="slidenum">
               <a:rPr lang="ko-KR" altLang="en-US" smtClean="0"/>
               <a:t>48</a:t>
+            </a:fld>
+            <a:endParaRPr lang="ko-KR" altLang="en-US"/>
+          </a:p>
+        </p:txBody>
+      </p:sp>
+    </p:spTree>
+    <p:extLst>
+      <p:ext uri="{BB962C8B-B14F-4D97-AF65-F5344CB8AC3E}">
+        <p14:creationId xmlns:p14="http://schemas.microsoft.com/office/powerpoint/2010/main" val="643792404"/>
+      </p:ext>
+    </p:extLst>
+  </p:cSld>
+  <p:clrMapOvr>
+    <a:masterClrMapping/>
+  </p:clrMapOvr>
+</p:notes>
+</file>
+
+<file path=ppt/notesSlides/notesSlide48.xml><?xml version="1.0" encoding="utf-8"?>
+<p:notes xmlns:a="http://schemas.openxmlformats.org/drawingml/2006/main" xmlns:r="http://schemas.openxmlformats.org/officeDocument/2006/relationships" xmlns:p="http://schemas.openxmlformats.org/presentationml/2006/main">
+  <p:cSld>
+    <p:spTree>
+      <p:nvGrpSpPr>
+        <p:cNvPr id="1" name=""/>
+        <p:cNvGrpSpPr/>
+        <p:nvPr/>
+      </p:nvGrpSpPr>
+      <p:grpSpPr>
+        <a:xfrm>
+          <a:off x="0" y="0"/>
+          <a:ext cx="0" cy="0"/>
+          <a:chOff x="0" y="0"/>
+          <a:chExt cx="0" cy="0"/>
+        </a:xfrm>
+      </p:grpSpPr>
+      <p:sp>
+        <p:nvSpPr>
+          <p:cNvPr id="2" name="슬라이드 이미지 개체 틀 1"/>
+          <p:cNvSpPr>
+            <a:spLocks noGrp="1" noRot="1" noChangeAspect="1"/>
+          </p:cNvSpPr>
+          <p:nvPr>
+            <p:ph type="sldImg"/>
+          </p:nvPr>
+        </p:nvSpPr>
+        <p:spPr/>
+      </p:sp>
+      <p:sp>
+        <p:nvSpPr>
+          <p:cNvPr id="3" name="슬라이드 노트 개체 틀 2"/>
+          <p:cNvSpPr>
+            <a:spLocks noGrp="1"/>
+          </p:cNvSpPr>
+          <p:nvPr>
+            <p:ph type="body" idx="1"/>
+          </p:nvPr>
+        </p:nvSpPr>
+        <p:spPr/>
+        <p:txBody>
+          <a:bodyPr/>
+          <a:lstStyle/>
+          <a:p>
+            <a:endParaRPr lang="ko-KR" altLang="en-US" dirty="0"/>
+          </a:p>
+        </p:txBody>
+      </p:sp>
+      <p:sp>
+        <p:nvSpPr>
+          <p:cNvPr id="4" name="슬라이드 번호 개체 틀 3"/>
+          <p:cNvSpPr>
+            <a:spLocks noGrp="1"/>
+          </p:cNvSpPr>
+          <p:nvPr>
+            <p:ph type="sldNum" sz="quarter" idx="10"/>
+          </p:nvPr>
+        </p:nvSpPr>
+        <p:spPr/>
+        <p:txBody>
+          <a:bodyPr/>
+          <a:lstStyle/>
+          <a:p>
+            <a:fld id="{625D4AC4-540A-4436-887D-BF6A8FCF1275}" type="slidenum">
+              <a:rPr lang="ko-KR" altLang="en-US" smtClean="0"/>
+              <a:t>49</a:t>
             </a:fld>
             <a:endParaRPr lang="ko-KR" altLang="en-US"/>
           </a:p>
@@ -6082,7 +6167,7 @@
             </a:fld>
             <a:r>
               <a:rPr lang="en-US" altLang="ko-KR" dirty="0"/>
-              <a:t>/45</a:t>
+              <a:t>/47</a:t>
             </a:r>
             <a:endParaRPr lang="ko-KR" altLang="en-US" dirty="0"/>
           </a:p>
@@ -36609,754 +36694,6 @@
       </p:sp>
       <p:sp>
         <p:nvSpPr>
-          <p:cNvPr id="5" name="모서리가 둥근 직사각형 1">
-            <a:extLst>
-              <a:ext uri="{FF2B5EF4-FFF2-40B4-BE49-F238E27FC236}">
-                <a16:creationId xmlns:a16="http://schemas.microsoft.com/office/drawing/2014/main" id="{7014267D-63BC-4903-9B3F-CD162D7BADDA}"/>
-              </a:ext>
-            </a:extLst>
-          </p:cNvPr>
-          <p:cNvSpPr/>
-          <p:nvPr/>
-        </p:nvSpPr>
-        <p:spPr>
-          <a:xfrm>
-            <a:off x="1258305" y="3215426"/>
-            <a:ext cx="1907435" cy="420964"/>
-          </a:xfrm>
-          <a:prstGeom prst="roundRect">
-            <a:avLst>
-              <a:gd name="adj" fmla="val 5181"/>
-            </a:avLst>
-          </a:prstGeom>
-          <a:solidFill>
-            <a:schemeClr val="bg1">
-              <a:lumMod val="95000"/>
-            </a:schemeClr>
-          </a:solidFill>
-          <a:ln w="19050">
-            <a:solidFill>
-              <a:schemeClr val="tx1">
-                <a:lumMod val="50000"/>
-                <a:lumOff val="50000"/>
-              </a:schemeClr>
-            </a:solidFill>
-          </a:ln>
-        </p:spPr>
-        <p:style>
-          <a:lnRef idx="2">
-            <a:schemeClr val="accent1">
-              <a:shade val="50000"/>
-            </a:schemeClr>
-          </a:lnRef>
-          <a:fillRef idx="1">
-            <a:schemeClr val="accent1"/>
-          </a:fillRef>
-          <a:effectRef idx="0">
-            <a:schemeClr val="accent1"/>
-          </a:effectRef>
-          <a:fontRef idx="minor">
-            <a:schemeClr val="lt1"/>
-          </a:fontRef>
-        </p:style>
-        <p:txBody>
-          <a:bodyPr rtlCol="0" anchor="ctr"/>
-          <a:lstStyle/>
-          <a:p>
-            <a:pPr algn="ctr"/>
-            <a:r>
-              <a:rPr lang="en-US" altLang="ko-KR" sz="1400" dirty="0">
-                <a:solidFill>
-                  <a:schemeClr val="tx1"/>
-                </a:solidFill>
-              </a:rPr>
-              <a:t>main      </a:t>
-            </a:r>
-            <a:endParaRPr lang="ko-KR" altLang="en-US" sz="1400" dirty="0">
-              <a:solidFill>
-                <a:schemeClr val="tx1"/>
-              </a:solidFill>
-            </a:endParaRPr>
-          </a:p>
-        </p:txBody>
-      </p:sp>
-      <p:sp>
-        <p:nvSpPr>
-          <p:cNvPr id="6" name="모서리가 둥근 직사각형 7">
-            <a:extLst>
-              <a:ext uri="{FF2B5EF4-FFF2-40B4-BE49-F238E27FC236}">
-                <a16:creationId xmlns:a16="http://schemas.microsoft.com/office/drawing/2014/main" id="{B2BE4505-8867-44DB-B146-5CC8D0E24440}"/>
-              </a:ext>
-            </a:extLst>
-          </p:cNvPr>
-          <p:cNvSpPr/>
-          <p:nvPr/>
-        </p:nvSpPr>
-        <p:spPr>
-          <a:xfrm>
-            <a:off x="5275339" y="3636389"/>
-            <a:ext cx="1907435" cy="373609"/>
-          </a:xfrm>
-          <a:prstGeom prst="roundRect">
-            <a:avLst>
-              <a:gd name="adj" fmla="val 5181"/>
-            </a:avLst>
-          </a:prstGeom>
-          <a:solidFill>
-            <a:schemeClr val="bg1">
-              <a:lumMod val="95000"/>
-            </a:schemeClr>
-          </a:solidFill>
-          <a:ln w="15875">
-            <a:solidFill>
-              <a:srgbClr val="0000FF"/>
-            </a:solidFill>
-          </a:ln>
-        </p:spPr>
-        <p:style>
-          <a:lnRef idx="2">
-            <a:schemeClr val="accent1">
-              <a:shade val="50000"/>
-            </a:schemeClr>
-          </a:lnRef>
-          <a:fillRef idx="1">
-            <a:schemeClr val="accent1"/>
-          </a:fillRef>
-          <a:effectRef idx="0">
-            <a:schemeClr val="accent1"/>
-          </a:effectRef>
-          <a:fontRef idx="minor">
-            <a:schemeClr val="lt1"/>
-          </a:fontRef>
-        </p:style>
-        <p:txBody>
-          <a:bodyPr rtlCol="0" anchor="ctr"/>
-          <a:lstStyle/>
-          <a:p>
-            <a:pPr algn="ctr"/>
-            <a:r>
-              <a:rPr lang="en-US" altLang="ko-KR" sz="1400" dirty="0">
-                <a:solidFill>
-                  <a:srgbClr val="FF0000"/>
-                </a:solidFill>
-              </a:rPr>
-              <a:t>develop</a:t>
-            </a:r>
-          </a:p>
-        </p:txBody>
-      </p:sp>
-      <p:sp>
-        <p:nvSpPr>
-          <p:cNvPr id="8" name="모서리가 둥근 직사각형 8">
-            <a:extLst>
-              <a:ext uri="{FF2B5EF4-FFF2-40B4-BE49-F238E27FC236}">
-                <a16:creationId xmlns:a16="http://schemas.microsoft.com/office/drawing/2014/main" id="{8EB018F2-D060-4225-8C5A-C79FC8D50203}"/>
-              </a:ext>
-            </a:extLst>
-          </p:cNvPr>
-          <p:cNvSpPr/>
-          <p:nvPr/>
-        </p:nvSpPr>
-        <p:spPr>
-          <a:xfrm>
-            <a:off x="1258306" y="2972387"/>
-            <a:ext cx="899565" cy="246177"/>
-          </a:xfrm>
-          <a:prstGeom prst="roundRect">
-            <a:avLst/>
-          </a:prstGeom>
-          <a:solidFill>
-            <a:schemeClr val="accent3">
-              <a:lumMod val="40000"/>
-              <a:lumOff val="60000"/>
-            </a:schemeClr>
-          </a:solidFill>
-          <a:ln w="19050">
-            <a:solidFill>
-              <a:schemeClr val="tx1"/>
-            </a:solidFill>
-          </a:ln>
-        </p:spPr>
-        <p:style>
-          <a:lnRef idx="2">
-            <a:schemeClr val="accent1">
-              <a:shade val="50000"/>
-            </a:schemeClr>
-          </a:lnRef>
-          <a:fillRef idx="1">
-            <a:schemeClr val="accent1"/>
-          </a:fillRef>
-          <a:effectRef idx="0">
-            <a:schemeClr val="accent1"/>
-          </a:effectRef>
-          <a:fontRef idx="minor">
-            <a:schemeClr val="lt1"/>
-          </a:fontRef>
-        </p:style>
-        <p:txBody>
-          <a:bodyPr rtlCol="0" anchor="ctr"/>
-          <a:lstStyle/>
-          <a:p>
-            <a:pPr algn="ctr"/>
-            <a:r>
-              <a:rPr lang="en-US" altLang="ko-KR" sz="1400" dirty="0">
-                <a:solidFill>
-                  <a:schemeClr val="tx1"/>
-                </a:solidFill>
-              </a:rPr>
-              <a:t>upstream</a:t>
-            </a:r>
-          </a:p>
-        </p:txBody>
-      </p:sp>
-      <p:sp>
-        <p:nvSpPr>
-          <p:cNvPr id="9" name="모서리가 둥근 직사각형 9">
-            <a:extLst>
-              <a:ext uri="{FF2B5EF4-FFF2-40B4-BE49-F238E27FC236}">
-                <a16:creationId xmlns:a16="http://schemas.microsoft.com/office/drawing/2014/main" id="{255AB00B-227B-4647-BBC7-3389FB2D7546}"/>
-              </a:ext>
-            </a:extLst>
-          </p:cNvPr>
-          <p:cNvSpPr/>
-          <p:nvPr/>
-        </p:nvSpPr>
-        <p:spPr>
-          <a:xfrm>
-            <a:off x="4728581" y="2972387"/>
-            <a:ext cx="899565" cy="246177"/>
-          </a:xfrm>
-          <a:prstGeom prst="roundRect">
-            <a:avLst/>
-          </a:prstGeom>
-          <a:solidFill>
-            <a:srgbClr val="92D050"/>
-          </a:solidFill>
-          <a:ln w="15875">
-            <a:solidFill>
-              <a:srgbClr val="0000FF"/>
-            </a:solidFill>
-          </a:ln>
-        </p:spPr>
-        <p:style>
-          <a:lnRef idx="2">
-            <a:schemeClr val="accent1">
-              <a:shade val="50000"/>
-            </a:schemeClr>
-          </a:lnRef>
-          <a:fillRef idx="1">
-            <a:schemeClr val="accent1"/>
-          </a:fillRef>
-          <a:effectRef idx="0">
-            <a:schemeClr val="accent1"/>
-          </a:effectRef>
-          <a:fontRef idx="minor">
-            <a:schemeClr val="lt1"/>
-          </a:fontRef>
-        </p:style>
-        <p:txBody>
-          <a:bodyPr rtlCol="0" anchor="ctr"/>
-          <a:lstStyle/>
-          <a:p>
-            <a:pPr algn="ctr"/>
-            <a:r>
-              <a:rPr lang="en-US" altLang="ko-KR" sz="1400" dirty="0">
-                <a:solidFill>
-                  <a:schemeClr val="tx1"/>
-                </a:solidFill>
-              </a:rPr>
-              <a:t>origin</a:t>
-            </a:r>
-          </a:p>
-        </p:txBody>
-      </p:sp>
-      <p:sp>
-        <p:nvSpPr>
-          <p:cNvPr id="10" name="모서리가 둥근 직사각형 10">
-            <a:extLst>
-              <a:ext uri="{FF2B5EF4-FFF2-40B4-BE49-F238E27FC236}">
-                <a16:creationId xmlns:a16="http://schemas.microsoft.com/office/drawing/2014/main" id="{8E588361-3C48-44B3-9C36-4A0181173179}"/>
-              </a:ext>
-            </a:extLst>
-          </p:cNvPr>
-          <p:cNvSpPr/>
-          <p:nvPr/>
-        </p:nvSpPr>
-        <p:spPr>
-          <a:xfrm>
-            <a:off x="5275338" y="4865409"/>
-            <a:ext cx="1907435" cy="344238"/>
-          </a:xfrm>
-          <a:prstGeom prst="roundRect">
-            <a:avLst>
-              <a:gd name="adj" fmla="val 5181"/>
-            </a:avLst>
-          </a:prstGeom>
-          <a:solidFill>
-            <a:schemeClr val="bg1">
-              <a:lumMod val="95000"/>
-            </a:schemeClr>
-          </a:solidFill>
-          <a:ln w="19050">
-            <a:solidFill>
-              <a:srgbClr val="C00000"/>
-            </a:solidFill>
-          </a:ln>
-        </p:spPr>
-        <p:style>
-          <a:lnRef idx="2">
-            <a:schemeClr val="accent1">
-              <a:shade val="50000"/>
-            </a:schemeClr>
-          </a:lnRef>
-          <a:fillRef idx="1">
-            <a:schemeClr val="accent1"/>
-          </a:fillRef>
-          <a:effectRef idx="0">
-            <a:schemeClr val="accent1"/>
-          </a:effectRef>
-          <a:fontRef idx="minor">
-            <a:schemeClr val="lt1"/>
-          </a:fontRef>
-        </p:style>
-        <p:txBody>
-          <a:bodyPr rtlCol="0" anchor="ctr"/>
-          <a:lstStyle/>
-          <a:p>
-            <a:pPr algn="ctr"/>
-            <a:r>
-              <a:rPr lang="en-US" altLang="ko-KR" sz="1400" dirty="0">
-                <a:solidFill>
-                  <a:srgbClr val="FF0000"/>
-                </a:solidFill>
-              </a:rPr>
-              <a:t>develop</a:t>
-            </a:r>
-          </a:p>
-        </p:txBody>
-      </p:sp>
-      <p:sp>
-        <p:nvSpPr>
-          <p:cNvPr id="17" name="TextBox 16">
-            <a:extLst>
-              <a:ext uri="{FF2B5EF4-FFF2-40B4-BE49-F238E27FC236}">
-                <a16:creationId xmlns:a16="http://schemas.microsoft.com/office/drawing/2014/main" id="{99E23039-C946-489F-9A22-3D34B8256898}"/>
-              </a:ext>
-            </a:extLst>
-          </p:cNvPr>
-          <p:cNvSpPr txBox="1"/>
-          <p:nvPr/>
-        </p:nvSpPr>
-        <p:spPr>
-          <a:xfrm>
-            <a:off x="4140622" y="3935626"/>
-            <a:ext cx="838691" cy="338554"/>
-          </a:xfrm>
-          <a:prstGeom prst="rect">
-            <a:avLst/>
-          </a:prstGeom>
-          <a:noFill/>
-        </p:spPr>
-        <p:txBody>
-          <a:bodyPr wrap="none" rtlCol="0">
-            <a:spAutoFit/>
-          </a:bodyPr>
-          <a:lstStyle>
-            <a:defPPr>
-              <a:defRPr lang="en-US"/>
-            </a:defPPr>
-            <a:lvl1pPr>
-              <a:defRPr sz="1600">
-                <a:solidFill>
-                  <a:srgbClr val="FF0000"/>
-                </a:solidFill>
-              </a:defRPr>
-            </a:lvl1pPr>
-          </a:lstStyle>
-          <a:p>
-            <a:r>
-              <a:rPr lang="en-US" altLang="ko-KR" sz="1600" dirty="0">
-                <a:solidFill>
-                  <a:srgbClr val="0000FF"/>
-                </a:solidFill>
-              </a:rPr>
-              <a:t>②</a:t>
-            </a:r>
-            <a:r>
-              <a:rPr lang="en-US" altLang="ko-KR" dirty="0">
-                <a:solidFill>
-                  <a:srgbClr val="0000FF"/>
-                </a:solidFill>
-              </a:rPr>
-              <a:t> push</a:t>
-            </a:r>
-            <a:endParaRPr lang="ko-KR" altLang="en-US" dirty="0">
-              <a:solidFill>
-                <a:srgbClr val="0000FF"/>
-              </a:solidFill>
-            </a:endParaRPr>
-          </a:p>
-        </p:txBody>
-      </p:sp>
-      <p:sp>
-        <p:nvSpPr>
-          <p:cNvPr id="18" name="모서리가 둥근 직사각형 1">
-            <a:extLst>
-              <a:ext uri="{FF2B5EF4-FFF2-40B4-BE49-F238E27FC236}">
-                <a16:creationId xmlns:a16="http://schemas.microsoft.com/office/drawing/2014/main" id="{7014267D-63BC-4903-9B3F-CD162D7BADDA}"/>
-              </a:ext>
-            </a:extLst>
-          </p:cNvPr>
-          <p:cNvSpPr/>
-          <p:nvPr/>
-        </p:nvSpPr>
-        <p:spPr>
-          <a:xfrm>
-            <a:off x="4728581" y="3215426"/>
-            <a:ext cx="1907435" cy="420964"/>
-          </a:xfrm>
-          <a:prstGeom prst="roundRect">
-            <a:avLst>
-              <a:gd name="adj" fmla="val 5181"/>
-            </a:avLst>
-          </a:prstGeom>
-          <a:solidFill>
-            <a:schemeClr val="bg1">
-              <a:lumMod val="95000"/>
-            </a:schemeClr>
-          </a:solidFill>
-          <a:ln w="19050">
-            <a:solidFill>
-              <a:schemeClr val="tx1">
-                <a:lumMod val="50000"/>
-                <a:lumOff val="50000"/>
-              </a:schemeClr>
-            </a:solidFill>
-          </a:ln>
-        </p:spPr>
-        <p:style>
-          <a:lnRef idx="2">
-            <a:schemeClr val="accent1">
-              <a:shade val="50000"/>
-            </a:schemeClr>
-          </a:lnRef>
-          <a:fillRef idx="1">
-            <a:schemeClr val="accent1"/>
-          </a:fillRef>
-          <a:effectRef idx="0">
-            <a:schemeClr val="accent1"/>
-          </a:effectRef>
-          <a:fontRef idx="minor">
-            <a:schemeClr val="lt1"/>
-          </a:fontRef>
-        </p:style>
-        <p:txBody>
-          <a:bodyPr rtlCol="0" anchor="ctr"/>
-          <a:lstStyle/>
-          <a:p>
-            <a:pPr algn="ctr"/>
-            <a:r>
-              <a:rPr lang="en-US" altLang="ko-KR" sz="1400" dirty="0">
-                <a:solidFill>
-                  <a:schemeClr val="tx1"/>
-                </a:solidFill>
-              </a:rPr>
-              <a:t>main      </a:t>
-            </a:r>
-            <a:endParaRPr lang="ko-KR" altLang="en-US" sz="1400" dirty="0">
-              <a:solidFill>
-                <a:schemeClr val="tx1"/>
-              </a:solidFill>
-            </a:endParaRPr>
-          </a:p>
-        </p:txBody>
-      </p:sp>
-      <p:sp>
-        <p:nvSpPr>
-          <p:cNvPr id="19" name="모서리가 둥근 직사각형 1">
-            <a:extLst>
-              <a:ext uri="{FF2B5EF4-FFF2-40B4-BE49-F238E27FC236}">
-                <a16:creationId xmlns:a16="http://schemas.microsoft.com/office/drawing/2014/main" id="{7014267D-63BC-4903-9B3F-CD162D7BADDA}"/>
-              </a:ext>
-            </a:extLst>
-          </p:cNvPr>
-          <p:cNvSpPr/>
-          <p:nvPr/>
-        </p:nvSpPr>
-        <p:spPr>
-          <a:xfrm>
-            <a:off x="4728581" y="4444447"/>
-            <a:ext cx="1907435" cy="420964"/>
-          </a:xfrm>
-          <a:prstGeom prst="roundRect">
-            <a:avLst>
-              <a:gd name="adj" fmla="val 5181"/>
-            </a:avLst>
-          </a:prstGeom>
-          <a:solidFill>
-            <a:schemeClr val="bg1">
-              <a:lumMod val="95000"/>
-            </a:schemeClr>
-          </a:solidFill>
-          <a:ln w="19050">
-            <a:solidFill>
-              <a:schemeClr val="tx1">
-                <a:lumMod val="50000"/>
-                <a:lumOff val="50000"/>
-              </a:schemeClr>
-            </a:solidFill>
-          </a:ln>
-        </p:spPr>
-        <p:style>
-          <a:lnRef idx="2">
-            <a:schemeClr val="accent1">
-              <a:shade val="50000"/>
-            </a:schemeClr>
-          </a:lnRef>
-          <a:fillRef idx="1">
-            <a:schemeClr val="accent1"/>
-          </a:fillRef>
-          <a:effectRef idx="0">
-            <a:schemeClr val="accent1"/>
-          </a:effectRef>
-          <a:fontRef idx="minor">
-            <a:schemeClr val="lt1"/>
-          </a:fontRef>
-        </p:style>
-        <p:txBody>
-          <a:bodyPr rtlCol="0" anchor="ctr"/>
-          <a:lstStyle/>
-          <a:p>
-            <a:pPr algn="ctr"/>
-            <a:r>
-              <a:rPr lang="en-US" altLang="ko-KR" sz="1400" dirty="0">
-                <a:solidFill>
-                  <a:schemeClr val="tx1"/>
-                </a:solidFill>
-              </a:rPr>
-              <a:t>main      </a:t>
-            </a:r>
-            <a:endParaRPr lang="ko-KR" altLang="en-US" sz="1400" dirty="0">
-              <a:solidFill>
-                <a:schemeClr val="tx1"/>
-              </a:solidFill>
-            </a:endParaRPr>
-          </a:p>
-        </p:txBody>
-      </p:sp>
-      <p:sp>
-        <p:nvSpPr>
-          <p:cNvPr id="39" name="TextBox 38">
-            <a:extLst>
-              <a:ext uri="{FF2B5EF4-FFF2-40B4-BE49-F238E27FC236}">
-                <a16:creationId xmlns:a16="http://schemas.microsoft.com/office/drawing/2014/main" id="{99E23039-C946-489F-9A22-3D34B8256898}"/>
-              </a:ext>
-            </a:extLst>
-          </p:cNvPr>
-          <p:cNvSpPr txBox="1"/>
-          <p:nvPr/>
-        </p:nvSpPr>
-        <p:spPr>
-          <a:xfrm>
-            <a:off x="4381316" y="4894642"/>
-            <a:ext cx="878317" cy="307777"/>
-          </a:xfrm>
-          <a:prstGeom prst="rect">
-            <a:avLst/>
-          </a:prstGeom>
-          <a:noFill/>
-        </p:spPr>
-        <p:txBody>
-          <a:bodyPr wrap="none" rtlCol="0">
-            <a:spAutoFit/>
-          </a:bodyPr>
-          <a:lstStyle/>
-          <a:p>
-            <a:r>
-              <a:rPr lang="en-US" altLang="ko-KR" sz="1400" dirty="0">
-                <a:solidFill>
-                  <a:srgbClr val="0000FF"/>
-                </a:solidFill>
-              </a:rPr>
-              <a:t>branch -d</a:t>
-            </a:r>
-            <a:endParaRPr lang="ko-KR" altLang="en-US" sz="1400" dirty="0">
-              <a:solidFill>
-                <a:srgbClr val="0000FF"/>
-              </a:solidFill>
-            </a:endParaRPr>
-          </a:p>
-        </p:txBody>
-      </p:sp>
-      <p:cxnSp>
-        <p:nvCxnSpPr>
-          <p:cNvPr id="42" name="직선 화살표 연결선 41"/>
-          <p:cNvCxnSpPr>
-            <a:cxnSpLocks/>
-          </p:cNvCxnSpPr>
-          <p:nvPr/>
-        </p:nvCxnSpPr>
-        <p:spPr>
-          <a:xfrm flipV="1">
-            <a:off x="4915719" y="3636100"/>
-            <a:ext cx="0" cy="808347"/>
-          </a:xfrm>
-          <a:prstGeom prst="straightConnector1">
-            <a:avLst/>
-          </a:prstGeom>
-          <a:ln w="31750">
-            <a:solidFill>
-              <a:srgbClr val="0000FF"/>
-            </a:solidFill>
-            <a:tailEnd type="triangle"/>
-          </a:ln>
-        </p:spPr>
-        <p:style>
-          <a:lnRef idx="1">
-            <a:schemeClr val="accent1"/>
-          </a:lnRef>
-          <a:fillRef idx="0">
-            <a:schemeClr val="accent1"/>
-          </a:fillRef>
-          <a:effectRef idx="0">
-            <a:schemeClr val="accent1"/>
-          </a:effectRef>
-          <a:fontRef idx="minor">
-            <a:schemeClr val="tx1"/>
-          </a:fontRef>
-        </p:style>
-      </p:cxnSp>
-      <p:cxnSp>
-        <p:nvCxnSpPr>
-          <p:cNvPr id="46" name="꺾인 연결선 45"/>
-          <p:cNvCxnSpPr>
-            <a:stCxn id="5" idx="2"/>
-          </p:cNvCxnSpPr>
-          <p:nvPr/>
-        </p:nvCxnSpPr>
-        <p:spPr>
-          <a:xfrm rot="16200000" flipH="1">
-            <a:off x="2961033" y="2887380"/>
-            <a:ext cx="1018539" cy="2516558"/>
-          </a:xfrm>
-          <a:prstGeom prst="bentConnector2">
-            <a:avLst/>
-          </a:prstGeom>
-          <a:ln w="31750">
-            <a:solidFill>
-              <a:srgbClr val="0000FF"/>
-            </a:solidFill>
-            <a:tailEnd type="triangle"/>
-          </a:ln>
-        </p:spPr>
-        <p:style>
-          <a:lnRef idx="1">
-            <a:schemeClr val="accent1"/>
-          </a:lnRef>
-          <a:fillRef idx="0">
-            <a:schemeClr val="accent1"/>
-          </a:fillRef>
-          <a:effectRef idx="0">
-            <a:schemeClr val="accent1"/>
-          </a:effectRef>
-          <a:fontRef idx="minor">
-            <a:schemeClr val="tx1"/>
-          </a:fontRef>
-        </p:style>
-      </p:cxnSp>
-      <p:sp>
-        <p:nvSpPr>
-          <p:cNvPr id="25" name="TextBox 24">
-            <a:extLst>
-              <a:ext uri="{FF2B5EF4-FFF2-40B4-BE49-F238E27FC236}">
-                <a16:creationId xmlns:a16="http://schemas.microsoft.com/office/drawing/2014/main" id="{8CE5E28C-5578-40B1-901B-4D1BA75C9A76}"/>
-              </a:ext>
-            </a:extLst>
-          </p:cNvPr>
-          <p:cNvSpPr txBox="1"/>
-          <p:nvPr/>
-        </p:nvSpPr>
-        <p:spPr>
-          <a:xfrm>
-            <a:off x="2181549" y="4222918"/>
-            <a:ext cx="744114" cy="338554"/>
-          </a:xfrm>
-          <a:prstGeom prst="rect">
-            <a:avLst/>
-          </a:prstGeom>
-          <a:noFill/>
-        </p:spPr>
-        <p:txBody>
-          <a:bodyPr wrap="none" rtlCol="0">
-            <a:spAutoFit/>
-          </a:bodyPr>
-          <a:lstStyle/>
-          <a:p>
-            <a:r>
-              <a:rPr lang="en-US" altLang="ko-KR" sz="1600" dirty="0">
-                <a:solidFill>
-                  <a:srgbClr val="0000FF"/>
-                </a:solidFill>
-              </a:rPr>
-              <a:t>① pull</a:t>
-            </a:r>
-            <a:endParaRPr lang="ko-KR" altLang="en-US" sz="1600" dirty="0">
-              <a:solidFill>
-                <a:srgbClr val="0000FF"/>
-              </a:solidFill>
-            </a:endParaRPr>
-          </a:p>
-        </p:txBody>
-      </p:sp>
-      <p:sp>
-        <p:nvSpPr>
-          <p:cNvPr id="27" name="TextBox 26">
-            <a:extLst>
-              <a:ext uri="{FF2B5EF4-FFF2-40B4-BE49-F238E27FC236}">
-                <a16:creationId xmlns:a16="http://schemas.microsoft.com/office/drawing/2014/main" id="{BABC2C11-3900-4247-A951-8BE6111DB728}"/>
-              </a:ext>
-            </a:extLst>
-          </p:cNvPr>
-          <p:cNvSpPr txBox="1"/>
-          <p:nvPr/>
-        </p:nvSpPr>
-        <p:spPr>
-          <a:xfrm>
-            <a:off x="5472996" y="3984280"/>
-            <a:ext cx="1852367" cy="307777"/>
-          </a:xfrm>
-          <a:prstGeom prst="rect">
-            <a:avLst/>
-          </a:prstGeom>
-          <a:noFill/>
-        </p:spPr>
-        <p:txBody>
-          <a:bodyPr wrap="none" rtlCol="0">
-            <a:spAutoFit/>
-          </a:bodyPr>
-          <a:lstStyle>
-            <a:defPPr>
-              <a:defRPr lang="en-US"/>
-            </a:defPPr>
-            <a:lvl1pPr>
-              <a:defRPr sz="1400">
-                <a:solidFill>
-                  <a:srgbClr val="0000FF"/>
-                </a:solidFill>
-              </a:defRPr>
-            </a:lvl1pPr>
-          </a:lstStyle>
-          <a:p>
-            <a:r>
-              <a:rPr lang="en-US" altLang="ko-KR" dirty="0"/>
-              <a:t>push -d origin develop </a:t>
-            </a:r>
-            <a:endParaRPr lang="ko-KR" altLang="en-US" dirty="0"/>
-          </a:p>
-        </p:txBody>
-      </p:sp>
-      <p:sp>
-        <p:nvSpPr>
           <p:cNvPr id="20" name="내용 개체 틀 2">
             <a:extLst>
               <a:ext uri="{FF2B5EF4-FFF2-40B4-BE49-F238E27FC236}">
@@ -37371,8 +36708,8 @@
         </p:nvSpPr>
         <p:spPr>
           <a:xfrm>
-            <a:off x="341787" y="1120545"/>
-            <a:ext cx="8642350" cy="1417394"/>
+            <a:off x="341787" y="1120544"/>
+            <a:ext cx="8642350" cy="1641361"/>
           </a:xfrm>
           <a:prstGeom prst="rect">
             <a:avLst/>
@@ -37579,55 +36916,127 @@
             </a:r>
           </a:p>
           <a:p>
+            <a:pPr marL="266700" lvl="1" indent="0">
+              <a:buNone/>
+            </a:pPr>
+            <a:r>
+              <a:rPr lang="ko-KR" altLang="en-US" dirty="0">
+                <a:latin typeface="+mn-ea"/>
+              </a:rPr>
+              <a:t>   </a:t>
+            </a:r>
+            <a:r>
+              <a:rPr lang="en-US" altLang="ko-KR" dirty="0">
+                <a:latin typeface="+mn-ea"/>
+              </a:rPr>
+              <a:t>. </a:t>
+            </a:r>
+            <a:r>
+              <a:rPr lang="ko-KR" altLang="en-US" dirty="0">
+                <a:latin typeface="+mn-ea"/>
+              </a:rPr>
+              <a:t>이미 </a:t>
+            </a:r>
+            <a:r>
+              <a:rPr lang="en-US" altLang="ko-KR" dirty="0">
+                <a:latin typeface="+mn-ea"/>
+              </a:rPr>
+              <a:t>Fork</a:t>
+            </a:r>
+            <a:r>
+              <a:rPr lang="ko-KR" altLang="en-US" dirty="0">
+                <a:latin typeface="+mn-ea"/>
+              </a:rPr>
+              <a:t>된 </a:t>
+            </a:r>
+            <a:r>
+              <a:rPr lang="en-US" altLang="ko-KR" dirty="0">
+                <a:latin typeface="+mn-ea"/>
+              </a:rPr>
+              <a:t>repo</a:t>
+            </a:r>
+            <a:r>
+              <a:rPr lang="ko-KR" altLang="en-US" dirty="0">
+                <a:latin typeface="+mn-ea"/>
+              </a:rPr>
+              <a:t>에는 덮어쓰기가 안 됨</a:t>
+            </a:r>
+            <a:r>
+              <a:rPr lang="en-US" altLang="ko-KR" dirty="0">
+                <a:latin typeface="+mn-ea"/>
+              </a:rPr>
+              <a:t>. </a:t>
+            </a:r>
+            <a:r>
+              <a:rPr lang="ko-KR" altLang="en-US" dirty="0">
+                <a:latin typeface="+mn-ea"/>
+              </a:rPr>
+              <a:t>따라서 이 방식으로는 안됨</a:t>
+            </a:r>
+            <a:r>
+              <a:rPr lang="en-US" altLang="ko-KR" dirty="0">
+                <a:latin typeface="+mn-ea"/>
+              </a:rPr>
+              <a:t>.</a:t>
+            </a:r>
+          </a:p>
+          <a:p>
             <a:pPr lvl="1"/>
-            <a:r>
-              <a:rPr lang="ko-KR" altLang="en-US" dirty="0">
-                <a:latin typeface="+mn-ea"/>
-              </a:rPr>
-              <a:t>이미 </a:t>
-            </a:r>
+            <a:endParaRPr lang="en-US" altLang="ko-KR" dirty="0">
+              <a:latin typeface="+mn-ea"/>
+            </a:endParaRPr>
+          </a:p>
+          <a:p>
+            <a:pPr lvl="1"/>
+            <a:endParaRPr lang="en-US" altLang="ko-KR" dirty="0">
+              <a:latin typeface="+mn-ea"/>
+            </a:endParaRPr>
+          </a:p>
+          <a:p>
+            <a:pPr lvl="1"/>
+            <a:endParaRPr lang="en-US" altLang="ko-KR" dirty="0">
+              <a:latin typeface="+mn-ea"/>
+            </a:endParaRPr>
+          </a:p>
+          <a:p>
+            <a:pPr lvl="1"/>
+            <a:endParaRPr lang="en-US" altLang="ko-KR" dirty="0">
+              <a:latin typeface="+mn-ea"/>
+            </a:endParaRPr>
+          </a:p>
+          <a:p>
+            <a:pPr marL="266700" lvl="1" indent="0">
+              <a:buNone/>
+            </a:pPr>
             <a:r>
               <a:rPr lang="en-US" altLang="ko-KR" dirty="0">
                 <a:latin typeface="+mn-ea"/>
               </a:rPr>
-              <a:t>Fork</a:t>
-            </a:r>
-            <a:r>
-              <a:rPr lang="ko-KR" altLang="en-US" dirty="0">
-                <a:latin typeface="+mn-ea"/>
-              </a:rPr>
-              <a:t>된 </a:t>
-            </a:r>
+              <a:t> </a:t>
+            </a:r>
+          </a:p>
+          <a:p>
+            <a:pPr lvl="1"/>
+            <a:endParaRPr lang="en-US" altLang="ko-KR" dirty="0">
+              <a:latin typeface="+mn-ea"/>
+            </a:endParaRPr>
+          </a:p>
+          <a:p>
+            <a:pPr marL="266700" lvl="1" indent="0">
+              <a:buNone/>
+            </a:pPr>
             <a:r>
               <a:rPr lang="en-US" altLang="ko-KR" dirty="0">
                 <a:latin typeface="+mn-ea"/>
               </a:rPr>
-              <a:t>repo</a:t>
-            </a:r>
-            <a:r>
-              <a:rPr lang="ko-KR" altLang="en-US" dirty="0">
-                <a:latin typeface="+mn-ea"/>
-              </a:rPr>
-              <a:t>에는 덮어쓰기가 안 됨</a:t>
-            </a:r>
-            <a:r>
-              <a:rPr lang="en-US" altLang="ko-KR" dirty="0">
-                <a:latin typeface="+mn-ea"/>
-              </a:rPr>
-              <a:t>. </a:t>
-            </a:r>
-            <a:r>
-              <a:rPr lang="ko-KR" altLang="en-US" dirty="0">
-                <a:latin typeface="+mn-ea"/>
-              </a:rPr>
-              <a:t>따라서 이 방식으로는 안됨</a:t>
-            </a:r>
-            <a:r>
-              <a:rPr lang="en-US" altLang="ko-KR" dirty="0">
-                <a:latin typeface="+mn-ea"/>
-              </a:rPr>
-              <a:t>.</a:t>
-            </a:r>
+              <a:t> </a:t>
+            </a:r>
+          </a:p>
+          <a:p>
+            <a:pPr lvl="1"/>
+            <a:endParaRPr lang="en-US" altLang="ko-KR" dirty="0">
+              <a:latin typeface="+mn-ea"/>
+            </a:endParaRPr>
           </a:p>
           <a:p>
             <a:pPr marL="266700" lvl="1" indent="0">
@@ -37715,10 +37124,770 @@
       </p:sp>
       <p:sp>
         <p:nvSpPr>
-          <p:cNvPr id="21" name="굽은 화살표 4">
+          <p:cNvPr id="47" name="모서리가 둥근 직사각형 1">
             <a:extLst>
               <a:ext uri="{FF2B5EF4-FFF2-40B4-BE49-F238E27FC236}">
-                <a16:creationId xmlns:a16="http://schemas.microsoft.com/office/drawing/2014/main" id="{981FE439-FC48-4D78-B811-9C06D3F42FA4}"/>
+                <a16:creationId xmlns:a16="http://schemas.microsoft.com/office/drawing/2014/main" id="{51E35B9C-B618-461A-A823-BCE271712C3E}"/>
+              </a:ext>
+            </a:extLst>
+          </p:cNvPr>
+          <p:cNvSpPr/>
+          <p:nvPr/>
+        </p:nvSpPr>
+        <p:spPr>
+          <a:xfrm>
+            <a:off x="1258305" y="3215426"/>
+            <a:ext cx="1907435" cy="420964"/>
+          </a:xfrm>
+          <a:prstGeom prst="roundRect">
+            <a:avLst>
+              <a:gd name="adj" fmla="val 5181"/>
+            </a:avLst>
+          </a:prstGeom>
+          <a:solidFill>
+            <a:schemeClr val="bg1">
+              <a:lumMod val="95000"/>
+            </a:schemeClr>
+          </a:solidFill>
+          <a:ln w="19050">
+            <a:solidFill>
+              <a:schemeClr val="tx1">
+                <a:lumMod val="50000"/>
+                <a:lumOff val="50000"/>
+              </a:schemeClr>
+            </a:solidFill>
+          </a:ln>
+        </p:spPr>
+        <p:style>
+          <a:lnRef idx="2">
+            <a:schemeClr val="accent1">
+              <a:shade val="50000"/>
+            </a:schemeClr>
+          </a:lnRef>
+          <a:fillRef idx="1">
+            <a:schemeClr val="accent1"/>
+          </a:fillRef>
+          <a:effectRef idx="0">
+            <a:schemeClr val="accent1"/>
+          </a:effectRef>
+          <a:fontRef idx="minor">
+            <a:schemeClr val="lt1"/>
+          </a:fontRef>
+        </p:style>
+        <p:txBody>
+          <a:bodyPr rtlCol="0" anchor="ctr"/>
+          <a:lstStyle/>
+          <a:p>
+            <a:pPr algn="ctr"/>
+            <a:r>
+              <a:rPr lang="en-US" altLang="ko-KR" sz="1400" dirty="0">
+                <a:solidFill>
+                  <a:schemeClr val="tx1"/>
+                </a:solidFill>
+              </a:rPr>
+              <a:t>main      </a:t>
+            </a:r>
+            <a:endParaRPr lang="ko-KR" altLang="en-US" sz="1400" dirty="0">
+              <a:solidFill>
+                <a:schemeClr val="tx1"/>
+              </a:solidFill>
+            </a:endParaRPr>
+          </a:p>
+        </p:txBody>
+      </p:sp>
+      <p:sp>
+        <p:nvSpPr>
+          <p:cNvPr id="48" name="모서리가 둥근 직사각형 7">
+            <a:extLst>
+              <a:ext uri="{FF2B5EF4-FFF2-40B4-BE49-F238E27FC236}">
+                <a16:creationId xmlns:a16="http://schemas.microsoft.com/office/drawing/2014/main" id="{C5644702-C26A-42EE-8E97-5041A3E77AD1}"/>
+              </a:ext>
+            </a:extLst>
+          </p:cNvPr>
+          <p:cNvSpPr/>
+          <p:nvPr/>
+        </p:nvSpPr>
+        <p:spPr>
+          <a:xfrm>
+            <a:off x="5275339" y="3636389"/>
+            <a:ext cx="1907435" cy="373609"/>
+          </a:xfrm>
+          <a:prstGeom prst="roundRect">
+            <a:avLst>
+              <a:gd name="adj" fmla="val 5181"/>
+            </a:avLst>
+          </a:prstGeom>
+          <a:solidFill>
+            <a:schemeClr val="bg1">
+              <a:lumMod val="95000"/>
+            </a:schemeClr>
+          </a:solidFill>
+          <a:ln w="15875">
+            <a:solidFill>
+              <a:srgbClr val="0000FF"/>
+            </a:solidFill>
+          </a:ln>
+        </p:spPr>
+        <p:style>
+          <a:lnRef idx="2">
+            <a:schemeClr val="accent1">
+              <a:shade val="50000"/>
+            </a:schemeClr>
+          </a:lnRef>
+          <a:fillRef idx="1">
+            <a:schemeClr val="accent1"/>
+          </a:fillRef>
+          <a:effectRef idx="0">
+            <a:schemeClr val="accent1"/>
+          </a:effectRef>
+          <a:fontRef idx="minor">
+            <a:schemeClr val="lt1"/>
+          </a:fontRef>
+        </p:style>
+        <p:txBody>
+          <a:bodyPr rtlCol="0" anchor="ctr"/>
+          <a:lstStyle/>
+          <a:p>
+            <a:pPr algn="ctr"/>
+            <a:r>
+              <a:rPr lang="en-US" altLang="ko-KR" sz="1400" dirty="0">
+                <a:solidFill>
+                  <a:srgbClr val="FF0000"/>
+                </a:solidFill>
+              </a:rPr>
+              <a:t>develop</a:t>
+            </a:r>
+          </a:p>
+        </p:txBody>
+      </p:sp>
+      <p:sp>
+        <p:nvSpPr>
+          <p:cNvPr id="49" name="모서리가 둥근 직사각형 8">
+            <a:extLst>
+              <a:ext uri="{FF2B5EF4-FFF2-40B4-BE49-F238E27FC236}">
+                <a16:creationId xmlns:a16="http://schemas.microsoft.com/office/drawing/2014/main" id="{4B3A763A-DA55-45A3-96FF-259FD02CEA8D}"/>
+              </a:ext>
+            </a:extLst>
+          </p:cNvPr>
+          <p:cNvSpPr/>
+          <p:nvPr/>
+        </p:nvSpPr>
+        <p:spPr>
+          <a:xfrm>
+            <a:off x="1258306" y="2972387"/>
+            <a:ext cx="899565" cy="246177"/>
+          </a:xfrm>
+          <a:prstGeom prst="roundRect">
+            <a:avLst/>
+          </a:prstGeom>
+          <a:solidFill>
+            <a:schemeClr val="accent3">
+              <a:lumMod val="40000"/>
+              <a:lumOff val="60000"/>
+            </a:schemeClr>
+          </a:solidFill>
+          <a:ln w="19050">
+            <a:solidFill>
+              <a:schemeClr val="tx1"/>
+            </a:solidFill>
+          </a:ln>
+        </p:spPr>
+        <p:style>
+          <a:lnRef idx="2">
+            <a:schemeClr val="accent1">
+              <a:shade val="50000"/>
+            </a:schemeClr>
+          </a:lnRef>
+          <a:fillRef idx="1">
+            <a:schemeClr val="accent1"/>
+          </a:fillRef>
+          <a:effectRef idx="0">
+            <a:schemeClr val="accent1"/>
+          </a:effectRef>
+          <a:fontRef idx="minor">
+            <a:schemeClr val="lt1"/>
+          </a:fontRef>
+        </p:style>
+        <p:txBody>
+          <a:bodyPr rtlCol="0" anchor="ctr"/>
+          <a:lstStyle/>
+          <a:p>
+            <a:pPr algn="ctr"/>
+            <a:r>
+              <a:rPr lang="en-US" altLang="ko-KR" sz="1400" dirty="0">
+                <a:solidFill>
+                  <a:schemeClr val="tx1"/>
+                </a:solidFill>
+              </a:rPr>
+              <a:t>upstream</a:t>
+            </a:r>
+          </a:p>
+        </p:txBody>
+      </p:sp>
+      <p:sp>
+        <p:nvSpPr>
+          <p:cNvPr id="50" name="모서리가 둥근 직사각형 9">
+            <a:extLst>
+              <a:ext uri="{FF2B5EF4-FFF2-40B4-BE49-F238E27FC236}">
+                <a16:creationId xmlns:a16="http://schemas.microsoft.com/office/drawing/2014/main" id="{E2353565-E7AB-47E9-9622-C74E2861F679}"/>
+              </a:ext>
+            </a:extLst>
+          </p:cNvPr>
+          <p:cNvSpPr/>
+          <p:nvPr/>
+        </p:nvSpPr>
+        <p:spPr>
+          <a:xfrm>
+            <a:off x="4728581" y="2972387"/>
+            <a:ext cx="899565" cy="246177"/>
+          </a:xfrm>
+          <a:prstGeom prst="roundRect">
+            <a:avLst/>
+          </a:prstGeom>
+          <a:solidFill>
+            <a:srgbClr val="92D050"/>
+          </a:solidFill>
+          <a:ln w="15875">
+            <a:solidFill>
+              <a:srgbClr val="0000FF"/>
+            </a:solidFill>
+          </a:ln>
+        </p:spPr>
+        <p:style>
+          <a:lnRef idx="2">
+            <a:schemeClr val="accent1">
+              <a:shade val="50000"/>
+            </a:schemeClr>
+          </a:lnRef>
+          <a:fillRef idx="1">
+            <a:schemeClr val="accent1"/>
+          </a:fillRef>
+          <a:effectRef idx="0">
+            <a:schemeClr val="accent1"/>
+          </a:effectRef>
+          <a:fontRef idx="minor">
+            <a:schemeClr val="lt1"/>
+          </a:fontRef>
+        </p:style>
+        <p:txBody>
+          <a:bodyPr rtlCol="0" anchor="ctr"/>
+          <a:lstStyle/>
+          <a:p>
+            <a:pPr algn="ctr"/>
+            <a:r>
+              <a:rPr lang="en-US" altLang="ko-KR" sz="1400" dirty="0">
+                <a:solidFill>
+                  <a:schemeClr val="tx1"/>
+                </a:solidFill>
+              </a:rPr>
+              <a:t>origin</a:t>
+            </a:r>
+          </a:p>
+        </p:txBody>
+      </p:sp>
+      <p:sp>
+        <p:nvSpPr>
+          <p:cNvPr id="51" name="모서리가 둥근 직사각형 10">
+            <a:extLst>
+              <a:ext uri="{FF2B5EF4-FFF2-40B4-BE49-F238E27FC236}">
+                <a16:creationId xmlns:a16="http://schemas.microsoft.com/office/drawing/2014/main" id="{B4BE23EF-4DC2-4682-8770-751847C63C24}"/>
+              </a:ext>
+            </a:extLst>
+          </p:cNvPr>
+          <p:cNvSpPr/>
+          <p:nvPr/>
+        </p:nvSpPr>
+        <p:spPr>
+          <a:xfrm>
+            <a:off x="5275338" y="4865409"/>
+            <a:ext cx="1907435" cy="344238"/>
+          </a:xfrm>
+          <a:prstGeom prst="roundRect">
+            <a:avLst>
+              <a:gd name="adj" fmla="val 5181"/>
+            </a:avLst>
+          </a:prstGeom>
+          <a:solidFill>
+            <a:schemeClr val="bg1">
+              <a:lumMod val="95000"/>
+            </a:schemeClr>
+          </a:solidFill>
+          <a:ln w="19050">
+            <a:solidFill>
+              <a:srgbClr val="C00000"/>
+            </a:solidFill>
+          </a:ln>
+        </p:spPr>
+        <p:style>
+          <a:lnRef idx="2">
+            <a:schemeClr val="accent1">
+              <a:shade val="50000"/>
+            </a:schemeClr>
+          </a:lnRef>
+          <a:fillRef idx="1">
+            <a:schemeClr val="accent1"/>
+          </a:fillRef>
+          <a:effectRef idx="0">
+            <a:schemeClr val="accent1"/>
+          </a:effectRef>
+          <a:fontRef idx="minor">
+            <a:schemeClr val="lt1"/>
+          </a:fontRef>
+        </p:style>
+        <p:txBody>
+          <a:bodyPr rtlCol="0" anchor="ctr"/>
+          <a:lstStyle/>
+          <a:p>
+            <a:pPr algn="ctr"/>
+            <a:r>
+              <a:rPr lang="en-US" altLang="ko-KR" sz="1400" dirty="0">
+                <a:solidFill>
+                  <a:srgbClr val="FF0000"/>
+                </a:solidFill>
+              </a:rPr>
+              <a:t>develop</a:t>
+            </a:r>
+          </a:p>
+        </p:txBody>
+      </p:sp>
+      <p:sp>
+        <p:nvSpPr>
+          <p:cNvPr id="52" name="TextBox 51">
+            <a:extLst>
+              <a:ext uri="{FF2B5EF4-FFF2-40B4-BE49-F238E27FC236}">
+                <a16:creationId xmlns:a16="http://schemas.microsoft.com/office/drawing/2014/main" id="{A93B84DF-CDB4-4DCD-A057-B6CBCC4710A1}"/>
+              </a:ext>
+            </a:extLst>
+          </p:cNvPr>
+          <p:cNvSpPr txBox="1"/>
+          <p:nvPr/>
+        </p:nvSpPr>
+        <p:spPr>
+          <a:xfrm>
+            <a:off x="4140622" y="3935626"/>
+            <a:ext cx="838691" cy="338554"/>
+          </a:xfrm>
+          <a:prstGeom prst="rect">
+            <a:avLst/>
+          </a:prstGeom>
+          <a:noFill/>
+        </p:spPr>
+        <p:txBody>
+          <a:bodyPr wrap="none" rtlCol="0">
+            <a:spAutoFit/>
+          </a:bodyPr>
+          <a:lstStyle>
+            <a:defPPr>
+              <a:defRPr lang="en-US"/>
+            </a:defPPr>
+            <a:lvl1pPr>
+              <a:defRPr sz="1600">
+                <a:solidFill>
+                  <a:srgbClr val="FF0000"/>
+                </a:solidFill>
+              </a:defRPr>
+            </a:lvl1pPr>
+          </a:lstStyle>
+          <a:p>
+            <a:r>
+              <a:rPr lang="en-US" altLang="ko-KR" sz="1600" dirty="0">
+                <a:solidFill>
+                  <a:srgbClr val="0000FF"/>
+                </a:solidFill>
+              </a:rPr>
+              <a:t>②</a:t>
+            </a:r>
+            <a:r>
+              <a:rPr lang="en-US" altLang="ko-KR" dirty="0">
+                <a:solidFill>
+                  <a:srgbClr val="0000FF"/>
+                </a:solidFill>
+              </a:rPr>
+              <a:t> push</a:t>
+            </a:r>
+            <a:endParaRPr lang="ko-KR" altLang="en-US" dirty="0">
+              <a:solidFill>
+                <a:srgbClr val="0000FF"/>
+              </a:solidFill>
+            </a:endParaRPr>
+          </a:p>
+        </p:txBody>
+      </p:sp>
+      <p:sp>
+        <p:nvSpPr>
+          <p:cNvPr id="53" name="모서리가 둥근 직사각형 1">
+            <a:extLst>
+              <a:ext uri="{FF2B5EF4-FFF2-40B4-BE49-F238E27FC236}">
+                <a16:creationId xmlns:a16="http://schemas.microsoft.com/office/drawing/2014/main" id="{81164674-1219-47B3-849F-624D32E90086}"/>
+              </a:ext>
+            </a:extLst>
+          </p:cNvPr>
+          <p:cNvSpPr/>
+          <p:nvPr/>
+        </p:nvSpPr>
+        <p:spPr>
+          <a:xfrm>
+            <a:off x="4728581" y="3215426"/>
+            <a:ext cx="1907435" cy="420964"/>
+          </a:xfrm>
+          <a:prstGeom prst="roundRect">
+            <a:avLst>
+              <a:gd name="adj" fmla="val 5181"/>
+            </a:avLst>
+          </a:prstGeom>
+          <a:solidFill>
+            <a:schemeClr val="bg1">
+              <a:lumMod val="95000"/>
+            </a:schemeClr>
+          </a:solidFill>
+          <a:ln w="19050">
+            <a:solidFill>
+              <a:schemeClr val="tx1">
+                <a:lumMod val="50000"/>
+                <a:lumOff val="50000"/>
+              </a:schemeClr>
+            </a:solidFill>
+          </a:ln>
+        </p:spPr>
+        <p:style>
+          <a:lnRef idx="2">
+            <a:schemeClr val="accent1">
+              <a:shade val="50000"/>
+            </a:schemeClr>
+          </a:lnRef>
+          <a:fillRef idx="1">
+            <a:schemeClr val="accent1"/>
+          </a:fillRef>
+          <a:effectRef idx="0">
+            <a:schemeClr val="accent1"/>
+          </a:effectRef>
+          <a:fontRef idx="minor">
+            <a:schemeClr val="lt1"/>
+          </a:fontRef>
+        </p:style>
+        <p:txBody>
+          <a:bodyPr rtlCol="0" anchor="ctr"/>
+          <a:lstStyle/>
+          <a:p>
+            <a:pPr algn="ctr"/>
+            <a:r>
+              <a:rPr lang="en-US" altLang="ko-KR" sz="1400" dirty="0">
+                <a:solidFill>
+                  <a:schemeClr val="tx1"/>
+                </a:solidFill>
+              </a:rPr>
+              <a:t>main      </a:t>
+            </a:r>
+            <a:endParaRPr lang="ko-KR" altLang="en-US" sz="1400" dirty="0">
+              <a:solidFill>
+                <a:schemeClr val="tx1"/>
+              </a:solidFill>
+            </a:endParaRPr>
+          </a:p>
+        </p:txBody>
+      </p:sp>
+      <p:sp>
+        <p:nvSpPr>
+          <p:cNvPr id="54" name="모서리가 둥근 직사각형 1">
+            <a:extLst>
+              <a:ext uri="{FF2B5EF4-FFF2-40B4-BE49-F238E27FC236}">
+                <a16:creationId xmlns:a16="http://schemas.microsoft.com/office/drawing/2014/main" id="{4C54DFB5-0E3C-43D5-81C8-435748770F39}"/>
+              </a:ext>
+            </a:extLst>
+          </p:cNvPr>
+          <p:cNvSpPr/>
+          <p:nvPr/>
+        </p:nvSpPr>
+        <p:spPr>
+          <a:xfrm>
+            <a:off x="4728581" y="4444447"/>
+            <a:ext cx="1907435" cy="420964"/>
+          </a:xfrm>
+          <a:prstGeom prst="roundRect">
+            <a:avLst>
+              <a:gd name="adj" fmla="val 5181"/>
+            </a:avLst>
+          </a:prstGeom>
+          <a:solidFill>
+            <a:schemeClr val="bg1">
+              <a:lumMod val="95000"/>
+            </a:schemeClr>
+          </a:solidFill>
+          <a:ln w="19050">
+            <a:solidFill>
+              <a:schemeClr val="tx1">
+                <a:lumMod val="50000"/>
+                <a:lumOff val="50000"/>
+              </a:schemeClr>
+            </a:solidFill>
+          </a:ln>
+        </p:spPr>
+        <p:style>
+          <a:lnRef idx="2">
+            <a:schemeClr val="accent1">
+              <a:shade val="50000"/>
+            </a:schemeClr>
+          </a:lnRef>
+          <a:fillRef idx="1">
+            <a:schemeClr val="accent1"/>
+          </a:fillRef>
+          <a:effectRef idx="0">
+            <a:schemeClr val="accent1"/>
+          </a:effectRef>
+          <a:fontRef idx="minor">
+            <a:schemeClr val="lt1"/>
+          </a:fontRef>
+        </p:style>
+        <p:txBody>
+          <a:bodyPr rtlCol="0" anchor="ctr"/>
+          <a:lstStyle/>
+          <a:p>
+            <a:pPr algn="ctr"/>
+            <a:r>
+              <a:rPr lang="en-US" altLang="ko-KR" sz="1400" dirty="0">
+                <a:solidFill>
+                  <a:schemeClr val="tx1"/>
+                </a:solidFill>
+              </a:rPr>
+              <a:t>main      </a:t>
+            </a:r>
+            <a:endParaRPr lang="ko-KR" altLang="en-US" sz="1400" dirty="0">
+              <a:solidFill>
+                <a:schemeClr val="tx1"/>
+              </a:solidFill>
+            </a:endParaRPr>
+          </a:p>
+        </p:txBody>
+      </p:sp>
+      <p:sp>
+        <p:nvSpPr>
+          <p:cNvPr id="55" name="TextBox 54">
+            <a:extLst>
+              <a:ext uri="{FF2B5EF4-FFF2-40B4-BE49-F238E27FC236}">
+                <a16:creationId xmlns:a16="http://schemas.microsoft.com/office/drawing/2014/main" id="{B6EA01FB-437A-4C45-B259-23740F5FC4D7}"/>
+              </a:ext>
+            </a:extLst>
+          </p:cNvPr>
+          <p:cNvSpPr txBox="1"/>
+          <p:nvPr/>
+        </p:nvSpPr>
+        <p:spPr>
+          <a:xfrm>
+            <a:off x="4381316" y="4894642"/>
+            <a:ext cx="878317" cy="307777"/>
+          </a:xfrm>
+          <a:prstGeom prst="rect">
+            <a:avLst/>
+          </a:prstGeom>
+          <a:noFill/>
+        </p:spPr>
+        <p:txBody>
+          <a:bodyPr wrap="none" rtlCol="0">
+            <a:spAutoFit/>
+          </a:bodyPr>
+          <a:lstStyle/>
+          <a:p>
+            <a:r>
+              <a:rPr lang="en-US" altLang="ko-KR" sz="1400" dirty="0">
+                <a:solidFill>
+                  <a:srgbClr val="0000FF"/>
+                </a:solidFill>
+              </a:rPr>
+              <a:t>branch -d</a:t>
+            </a:r>
+            <a:endParaRPr lang="ko-KR" altLang="en-US" sz="1400" dirty="0">
+              <a:solidFill>
+                <a:srgbClr val="0000FF"/>
+              </a:solidFill>
+            </a:endParaRPr>
+          </a:p>
+        </p:txBody>
+      </p:sp>
+      <p:cxnSp>
+        <p:nvCxnSpPr>
+          <p:cNvPr id="56" name="직선 화살표 연결선 55">
+            <a:extLst>
+              <a:ext uri="{FF2B5EF4-FFF2-40B4-BE49-F238E27FC236}">
+                <a16:creationId xmlns:a16="http://schemas.microsoft.com/office/drawing/2014/main" id="{76E262A3-7AE1-434A-B06F-2F7C4ED59F99}"/>
+              </a:ext>
+            </a:extLst>
+          </p:cNvPr>
+          <p:cNvCxnSpPr>
+            <a:cxnSpLocks/>
+          </p:cNvCxnSpPr>
+          <p:nvPr/>
+        </p:nvCxnSpPr>
+        <p:spPr>
+          <a:xfrm flipV="1">
+            <a:off x="4915719" y="3636100"/>
+            <a:ext cx="0" cy="808347"/>
+          </a:xfrm>
+          <a:prstGeom prst="straightConnector1">
+            <a:avLst/>
+          </a:prstGeom>
+          <a:ln w="31750">
+            <a:solidFill>
+              <a:srgbClr val="0000FF"/>
+            </a:solidFill>
+            <a:tailEnd type="triangle"/>
+          </a:ln>
+        </p:spPr>
+        <p:style>
+          <a:lnRef idx="1">
+            <a:schemeClr val="accent1"/>
+          </a:lnRef>
+          <a:fillRef idx="0">
+            <a:schemeClr val="accent1"/>
+          </a:fillRef>
+          <a:effectRef idx="0">
+            <a:schemeClr val="accent1"/>
+          </a:effectRef>
+          <a:fontRef idx="minor">
+            <a:schemeClr val="tx1"/>
+          </a:fontRef>
+        </p:style>
+      </p:cxnSp>
+      <p:cxnSp>
+        <p:nvCxnSpPr>
+          <p:cNvPr id="57" name="꺾인 연결선 45">
+            <a:extLst>
+              <a:ext uri="{FF2B5EF4-FFF2-40B4-BE49-F238E27FC236}">
+                <a16:creationId xmlns:a16="http://schemas.microsoft.com/office/drawing/2014/main" id="{A03BAA58-37CA-460A-A839-85D7F749274A}"/>
+              </a:ext>
+            </a:extLst>
+          </p:cNvPr>
+          <p:cNvCxnSpPr>
+            <a:stCxn id="47" idx="2"/>
+          </p:cNvCxnSpPr>
+          <p:nvPr/>
+        </p:nvCxnSpPr>
+        <p:spPr>
+          <a:xfrm rot="16200000" flipH="1">
+            <a:off x="2961033" y="2887380"/>
+            <a:ext cx="1018539" cy="2516558"/>
+          </a:xfrm>
+          <a:prstGeom prst="bentConnector2">
+            <a:avLst/>
+          </a:prstGeom>
+          <a:ln w="31750">
+            <a:solidFill>
+              <a:srgbClr val="0000FF"/>
+            </a:solidFill>
+            <a:tailEnd type="triangle"/>
+          </a:ln>
+        </p:spPr>
+        <p:style>
+          <a:lnRef idx="1">
+            <a:schemeClr val="accent1"/>
+          </a:lnRef>
+          <a:fillRef idx="0">
+            <a:schemeClr val="accent1"/>
+          </a:fillRef>
+          <a:effectRef idx="0">
+            <a:schemeClr val="accent1"/>
+          </a:effectRef>
+          <a:fontRef idx="minor">
+            <a:schemeClr val="tx1"/>
+          </a:fontRef>
+        </p:style>
+      </p:cxnSp>
+      <p:sp>
+        <p:nvSpPr>
+          <p:cNvPr id="58" name="TextBox 57">
+            <a:extLst>
+              <a:ext uri="{FF2B5EF4-FFF2-40B4-BE49-F238E27FC236}">
+                <a16:creationId xmlns:a16="http://schemas.microsoft.com/office/drawing/2014/main" id="{8E9AA8BE-ACF6-4E60-B213-2C053026C00C}"/>
+              </a:ext>
+            </a:extLst>
+          </p:cNvPr>
+          <p:cNvSpPr txBox="1"/>
+          <p:nvPr/>
+        </p:nvSpPr>
+        <p:spPr>
+          <a:xfrm>
+            <a:off x="2181549" y="4222918"/>
+            <a:ext cx="744114" cy="338554"/>
+          </a:xfrm>
+          <a:prstGeom prst="rect">
+            <a:avLst/>
+          </a:prstGeom>
+          <a:noFill/>
+        </p:spPr>
+        <p:txBody>
+          <a:bodyPr wrap="none" rtlCol="0">
+            <a:spAutoFit/>
+          </a:bodyPr>
+          <a:lstStyle/>
+          <a:p>
+            <a:r>
+              <a:rPr lang="en-US" altLang="ko-KR" sz="1600" dirty="0">
+                <a:solidFill>
+                  <a:srgbClr val="0000FF"/>
+                </a:solidFill>
+              </a:rPr>
+              <a:t>① pull</a:t>
+            </a:r>
+            <a:endParaRPr lang="ko-KR" altLang="en-US" sz="1600" dirty="0">
+              <a:solidFill>
+                <a:srgbClr val="0000FF"/>
+              </a:solidFill>
+            </a:endParaRPr>
+          </a:p>
+        </p:txBody>
+      </p:sp>
+      <p:sp>
+        <p:nvSpPr>
+          <p:cNvPr id="59" name="TextBox 58">
+            <a:extLst>
+              <a:ext uri="{FF2B5EF4-FFF2-40B4-BE49-F238E27FC236}">
+                <a16:creationId xmlns:a16="http://schemas.microsoft.com/office/drawing/2014/main" id="{DA51B3F3-085B-43F4-A878-A6D794DA98F8}"/>
+              </a:ext>
+            </a:extLst>
+          </p:cNvPr>
+          <p:cNvSpPr txBox="1"/>
+          <p:nvPr/>
+        </p:nvSpPr>
+        <p:spPr>
+          <a:xfrm>
+            <a:off x="5472996" y="3984280"/>
+            <a:ext cx="1852367" cy="307777"/>
+          </a:xfrm>
+          <a:prstGeom prst="rect">
+            <a:avLst/>
+          </a:prstGeom>
+          <a:noFill/>
+        </p:spPr>
+        <p:txBody>
+          <a:bodyPr wrap="none" rtlCol="0">
+            <a:spAutoFit/>
+          </a:bodyPr>
+          <a:lstStyle>
+            <a:defPPr>
+              <a:defRPr lang="en-US"/>
+            </a:defPPr>
+            <a:lvl1pPr>
+              <a:defRPr sz="1400">
+                <a:solidFill>
+                  <a:srgbClr val="0000FF"/>
+                </a:solidFill>
+              </a:defRPr>
+            </a:lvl1pPr>
+          </a:lstStyle>
+          <a:p>
+            <a:r>
+              <a:rPr lang="en-US" altLang="ko-KR" dirty="0"/>
+              <a:t>push -d origin develop </a:t>
+            </a:r>
+            <a:endParaRPr lang="ko-KR" altLang="en-US" dirty="0"/>
+          </a:p>
+        </p:txBody>
+      </p:sp>
+      <p:sp>
+        <p:nvSpPr>
+          <p:cNvPr id="60" name="굽은 화살표 4">
+            <a:extLst>
+              <a:ext uri="{FF2B5EF4-FFF2-40B4-BE49-F238E27FC236}">
+                <a16:creationId xmlns:a16="http://schemas.microsoft.com/office/drawing/2014/main" id="{09508E37-11B9-4358-89CA-CD0AB6D335AC}"/>
               </a:ext>
             </a:extLst>
           </p:cNvPr>
@@ -37775,10 +37944,10 @@
       </p:sp>
       <p:cxnSp>
         <p:nvCxnSpPr>
-          <p:cNvPr id="11" name="직선 화살표 연결선 10">
+          <p:cNvPr id="19" name="직선 화살표 연결선 18">
             <a:extLst>
               <a:ext uri="{FF2B5EF4-FFF2-40B4-BE49-F238E27FC236}">
-                <a16:creationId xmlns:a16="http://schemas.microsoft.com/office/drawing/2014/main" id="{FC55BA4C-B695-43D4-A41D-5F624A8C1CF1}"/>
+                <a16:creationId xmlns:a16="http://schemas.microsoft.com/office/drawing/2014/main" id="{1A8A2622-D5C0-4377-AAED-B254A7998542}"/>
               </a:ext>
             </a:extLst>
           </p:cNvPr>
@@ -37847,6 +38016,36 @@
           <a:chExt cx="0" cy="0"/>
         </a:xfrm>
       </p:grpSpPr>
+      <p:pic>
+        <p:nvPicPr>
+          <p:cNvPr id="10" name="그림 9">
+            <a:extLst>
+              <a:ext uri="{FF2B5EF4-FFF2-40B4-BE49-F238E27FC236}">
+                <a16:creationId xmlns:a16="http://schemas.microsoft.com/office/drawing/2014/main" id="{952D56A8-C533-4ACC-B5A3-35D2913EE28A}"/>
+              </a:ext>
+            </a:extLst>
+          </p:cNvPr>
+          <p:cNvPicPr>
+            <a:picLocks noChangeAspect="1"/>
+          </p:cNvPicPr>
+          <p:nvPr/>
+        </p:nvPicPr>
+        <p:blipFill>
+          <a:blip r:embed="rId3"/>
+          <a:stretch>
+            <a:fillRect/>
+          </a:stretch>
+        </p:blipFill>
+        <p:spPr>
+          <a:xfrm>
+            <a:off x="733626" y="1960942"/>
+            <a:ext cx="7676748" cy="2536445"/>
+          </a:xfrm>
+          <a:prstGeom prst="rect">
+            <a:avLst/>
+          </a:prstGeom>
+        </p:spPr>
+      </p:pic>
       <p:sp>
         <p:nvSpPr>
           <p:cNvPr id="4" name="제목 3">
@@ -37876,18 +38075,35 @@
           <a:lstStyle/>
           <a:p>
             <a:r>
+              <a:rPr lang="en-US" altLang="ko-KR" dirty="0"/>
+              <a:t>Pull Request </a:t>
+            </a:r>
+            <a:r>
               <a:rPr lang="ko-KR" altLang="en-US" dirty="0"/>
-              <a:t>전체 요약 순서</a:t>
-            </a:r>
-          </a:p>
-        </p:txBody>
-      </p:sp>
-      <p:sp>
-        <p:nvSpPr>
-          <p:cNvPr id="11" name="내용 개체 틀 2">
+              <a:t>최종결과 확인 후 마무리 작업 </a:t>
+            </a:r>
+            <a:r>
+              <a:rPr lang="en-US" altLang="ko-KR" dirty="0"/>
+              <a:t>(</a:t>
+            </a:r>
+            <a:r>
+              <a:rPr lang="ko-KR" altLang="en-US" dirty="0"/>
+              <a:t>참고</a:t>
+            </a:r>
+            <a:r>
+              <a:rPr lang="en-US" altLang="ko-KR" dirty="0"/>
+              <a:t>)</a:t>
+            </a:r>
+            <a:endParaRPr lang="ko-KR" altLang="en-US" dirty="0"/>
+          </a:p>
+        </p:txBody>
+      </p:sp>
+      <p:sp>
+        <p:nvSpPr>
+          <p:cNvPr id="20" name="내용 개체 틀 2">
             <a:extLst>
               <a:ext uri="{FF2B5EF4-FFF2-40B4-BE49-F238E27FC236}">
-                <a16:creationId xmlns:a16="http://schemas.microsoft.com/office/drawing/2014/main" id="{A44AC902-3746-40D6-9827-94B46EEDDC67}"/>
+                <a16:creationId xmlns:a16="http://schemas.microsoft.com/office/drawing/2014/main" id="{E61B19CC-4D07-4C10-AF2C-75E43785A964}"/>
               </a:ext>
             </a:extLst>
           </p:cNvPr>
@@ -37898,8 +38114,8 @@
         </p:nvSpPr>
         <p:spPr>
           <a:xfrm>
-            <a:off x="341787" y="957257"/>
-            <a:ext cx="8642350" cy="5225829"/>
+            <a:off x="341787" y="1120544"/>
+            <a:ext cx="8642350" cy="1641361"/>
           </a:xfrm>
           <a:prstGeom prst="rect">
             <a:avLst/>
@@ -38050,538 +38266,233 @@
           </a:lstStyle>
           <a:p>
             <a:r>
+              <a:rPr lang="en-US" altLang="ko-KR" dirty="0">
+                <a:latin typeface="+mn-ea"/>
+              </a:rPr>
+              <a:t>Fork</a:t>
+            </a:r>
+            <a:r>
               <a:rPr lang="ko-KR" altLang="en-US" dirty="0"/>
-              <a:t>전체 요약 순서</a:t>
-            </a:r>
-            <a:endParaRPr lang="en-US" altLang="ko-KR" dirty="0"/>
-          </a:p>
-          <a:p>
-            <a:pPr marL="533400" lvl="1" indent="-266700">
-              <a:buFont typeface="+mj-ea"/>
-              <a:buAutoNum type="circleNumDbPlain"/>
-            </a:pPr>
+              <a:t>하는 방식으로 해서 </a:t>
+            </a:r>
+            <a:r>
+              <a:rPr lang="en-US" altLang="ko-KR" dirty="0"/>
+              <a:t>3</a:t>
+            </a:r>
+            <a:r>
+              <a:rPr lang="ko-KR" altLang="en-US" dirty="0"/>
+              <a:t>군데 내용을 일치시키면 안되나</a:t>
+            </a:r>
+            <a:r>
+              <a:rPr lang="en-US" altLang="ko-KR" dirty="0"/>
+              <a:t>?</a:t>
+            </a:r>
+          </a:p>
+          <a:p>
+            <a:pPr marL="466725" lvl="1" indent="-201613"/>
+            <a:r>
+              <a:rPr lang="en-US" altLang="ko-KR" dirty="0">
+                <a:latin typeface="+mn-ea"/>
+              </a:rPr>
+              <a:t>Fetch</a:t>
+            </a:r>
             <a:r>
               <a:rPr lang="ko-KR" altLang="en-US" dirty="0">
                 <a:latin typeface="+mn-ea"/>
               </a:rPr>
-              <a:t>나의 </a:t>
-            </a:r>
-            <a:r>
-              <a:rPr lang="en-US" altLang="ko-KR" dirty="0" err="1">
-                <a:latin typeface="+mn-ea"/>
-              </a:rPr>
-              <a:t>github</a:t>
+              <a:t> </a:t>
             </a:r>
             <a:r>
               <a:rPr lang="en-US" altLang="ko-KR" dirty="0">
                 <a:latin typeface="+mn-ea"/>
               </a:rPr>
-              <a:t> </a:t>
+              <a:t>upstream </a:t>
             </a:r>
             <a:r>
               <a:rPr lang="ko-KR" altLang="en-US" dirty="0">
                 <a:latin typeface="+mn-ea"/>
               </a:rPr>
-              <a:t>계정에 로그인</a:t>
+              <a:t>사용</a:t>
             </a:r>
             <a:endParaRPr lang="en-US" altLang="ko-KR" dirty="0">
               <a:latin typeface="+mn-ea"/>
             </a:endParaRPr>
           </a:p>
           <a:p>
-            <a:pPr marL="533400" lvl="1" indent="-266700">
-              <a:buFont typeface="+mj-ea"/>
-              <a:buAutoNum type="circleNumDbPlain"/>
-            </a:pPr>
-            <a:r>
-              <a:rPr lang="ko-KR" altLang="en-US" dirty="0">
-                <a:latin typeface="+mn-ea"/>
-              </a:rPr>
-              <a:t>참여하고 싶은 저장소</a:t>
-            </a:r>
-            <a:r>
-              <a:rPr lang="en-US" altLang="ko-KR" dirty="0">
-                <a:latin typeface="+mn-ea"/>
-              </a:rPr>
-              <a:t>(upstream)</a:t>
-            </a:r>
-            <a:r>
-              <a:rPr lang="ko-KR" altLang="en-US" dirty="0">
-                <a:latin typeface="+mn-ea"/>
-              </a:rPr>
-              <a:t> 찾기</a:t>
-            </a:r>
+            <a:pPr lvl="1"/>
             <a:endParaRPr lang="en-US" altLang="ko-KR" dirty="0">
               <a:latin typeface="+mn-ea"/>
             </a:endParaRPr>
           </a:p>
           <a:p>
-            <a:pPr marL="533400" lvl="1" indent="-266700">
-              <a:buFont typeface="+mj-ea"/>
-              <a:buAutoNum type="circleNumDbPlain"/>
-            </a:pPr>
-            <a:r>
-              <a:rPr lang="ko-KR" altLang="en-US" dirty="0">
-                <a:latin typeface="+mn-ea"/>
-              </a:rPr>
-              <a:t>나의 원격저장소</a:t>
-            </a:r>
-            <a:r>
-              <a:rPr lang="en-US" altLang="ko-KR" dirty="0">
-                <a:latin typeface="+mn-ea"/>
-              </a:rPr>
-              <a:t>(origin)</a:t>
-            </a:r>
-            <a:r>
-              <a:rPr lang="ko-KR" altLang="en-US" dirty="0">
-                <a:latin typeface="+mn-ea"/>
-              </a:rPr>
-              <a:t>로 </a:t>
-            </a:r>
-            <a:r>
-              <a:rPr lang="en-US" altLang="ko-KR" dirty="0">
-                <a:latin typeface="+mn-ea"/>
-              </a:rPr>
-              <a:t>Fork</a:t>
-            </a:r>
-            <a:r>
-              <a:rPr lang="ko-KR" altLang="en-US" dirty="0">
-                <a:latin typeface="+mn-ea"/>
-              </a:rPr>
-              <a:t>하기</a:t>
-            </a:r>
+            <a:pPr lvl="1"/>
             <a:endParaRPr lang="en-US" altLang="ko-KR" dirty="0">
               <a:latin typeface="+mn-ea"/>
             </a:endParaRPr>
           </a:p>
           <a:p>
-            <a:pPr marL="533400" lvl="1" indent="-266700">
-              <a:buFont typeface="+mj-ea"/>
-              <a:buAutoNum type="circleNumDbPlain"/>
-            </a:pPr>
-            <a:r>
-              <a:rPr lang="ko-KR" altLang="en-US" dirty="0">
-                <a:latin typeface="+mn-ea"/>
-              </a:rPr>
-              <a:t>나의 로컬저장소로 </a:t>
-            </a:r>
-            <a:r>
-              <a:rPr lang="en-US" altLang="ko-KR" dirty="0">
-                <a:latin typeface="+mn-ea"/>
-              </a:rPr>
-              <a:t>clone</a:t>
-            </a:r>
-            <a:r>
-              <a:rPr lang="ko-KR" altLang="en-US" dirty="0">
-                <a:latin typeface="+mn-ea"/>
-              </a:rPr>
-              <a:t>하기 </a:t>
-            </a:r>
-            <a:r>
-              <a:rPr lang="en-US" altLang="ko-KR" dirty="0">
-                <a:latin typeface="+mn-ea"/>
-              </a:rPr>
-              <a:t> ☞ git clone</a:t>
-            </a:r>
-            <a:r>
-              <a:rPr lang="ko-KR" altLang="en-US" dirty="0">
-                <a:latin typeface="+mn-ea"/>
-              </a:rPr>
-              <a:t> </a:t>
-            </a:r>
-            <a:r>
-              <a:rPr lang="en-US" altLang="ko-KR" dirty="0">
-                <a:latin typeface="+mn-ea"/>
-              </a:rPr>
-              <a:t>upstream-address</a:t>
-            </a:r>
-          </a:p>
-          <a:p>
-            <a:pPr marL="533400" lvl="1" indent="-266700">
-              <a:buFont typeface="+mj-ea"/>
-              <a:buAutoNum type="circleNumDbPlain"/>
-            </a:pPr>
-            <a:r>
-              <a:rPr lang="ko-KR" altLang="en-US" dirty="0">
-                <a:latin typeface="+mn-ea"/>
-              </a:rPr>
-              <a:t>로컬저장소에서 작업 </a:t>
-            </a:r>
-            <a:r>
-              <a:rPr lang="en-US" altLang="ko-KR" dirty="0">
-                <a:latin typeface="+mn-ea"/>
-              </a:rPr>
-              <a:t>branch </a:t>
-            </a:r>
-            <a:r>
-              <a:rPr lang="ko-KR" altLang="en-US" dirty="0">
-                <a:latin typeface="+mn-ea"/>
-              </a:rPr>
-              <a:t>만들기</a:t>
-            </a:r>
-            <a:r>
-              <a:rPr lang="en-US" altLang="ko-KR" dirty="0">
-                <a:latin typeface="+mn-ea"/>
-              </a:rPr>
-              <a:t> ☞ git checkout</a:t>
-            </a:r>
-            <a:r>
-              <a:rPr lang="ko-KR" altLang="en-US" dirty="0">
-                <a:latin typeface="+mn-ea"/>
-              </a:rPr>
-              <a:t> </a:t>
-            </a:r>
-            <a:r>
-              <a:rPr lang="en-US" altLang="ko-KR" dirty="0">
-                <a:latin typeface="+mn-ea"/>
-              </a:rPr>
-              <a:t>-b</a:t>
-            </a:r>
-            <a:r>
-              <a:rPr lang="ko-KR" altLang="en-US" dirty="0">
-                <a:latin typeface="+mn-ea"/>
-              </a:rPr>
-              <a:t> </a:t>
-            </a:r>
-            <a:r>
-              <a:rPr lang="en-US" altLang="ko-KR" dirty="0">
-                <a:latin typeface="+mn-ea"/>
-              </a:rPr>
-              <a:t>new-branch</a:t>
-            </a:r>
-          </a:p>
-          <a:p>
-            <a:pPr marL="533400" lvl="1" indent="-266700">
-              <a:buFont typeface="+mj-ea"/>
-              <a:buAutoNum type="circleNumDbPlain"/>
-            </a:pPr>
-            <a:r>
-              <a:rPr lang="ko-KR" altLang="en-US" dirty="0">
-                <a:latin typeface="+mn-ea"/>
-              </a:rPr>
-              <a:t>기여할 내용 수정작업하기</a:t>
-            </a:r>
+            <a:pPr lvl="1"/>
             <a:endParaRPr lang="en-US" altLang="ko-KR" dirty="0">
               <a:latin typeface="+mn-ea"/>
             </a:endParaRPr>
           </a:p>
           <a:p>
-            <a:pPr marL="533400" lvl="1" indent="-266700">
-              <a:buFont typeface="+mj-ea"/>
-              <a:buAutoNum type="circleNumDbPlain"/>
-            </a:pPr>
-            <a:r>
-              <a:rPr lang="ko-KR" altLang="en-US" dirty="0">
-                <a:latin typeface="+mn-ea"/>
-              </a:rPr>
-              <a:t>나의 원격저장소</a:t>
-            </a:r>
-            <a:r>
-              <a:rPr lang="en-US" altLang="ko-KR" dirty="0">
-                <a:latin typeface="+mn-ea"/>
-              </a:rPr>
-              <a:t>(origin)</a:t>
-            </a:r>
-            <a:r>
-              <a:rPr lang="ko-KR" altLang="en-US" dirty="0">
-                <a:latin typeface="+mn-ea"/>
-              </a:rPr>
-              <a:t>로 </a:t>
-            </a:r>
-            <a:r>
-              <a:rPr lang="en-US" altLang="ko-KR" dirty="0">
-                <a:latin typeface="+mn-ea"/>
-              </a:rPr>
-              <a:t>push</a:t>
-            </a:r>
-            <a:r>
-              <a:rPr lang="ko-KR" altLang="en-US" dirty="0">
-                <a:latin typeface="+mn-ea"/>
-              </a:rPr>
-              <a:t>하기</a:t>
-            </a:r>
-            <a:r>
-              <a:rPr lang="en-US" altLang="ko-KR" dirty="0">
-                <a:latin typeface="+mn-ea"/>
-              </a:rPr>
-              <a:t> ☞ git push -u origin new-branch</a:t>
-            </a:r>
-          </a:p>
-          <a:p>
-            <a:pPr marL="533400" lvl="1" indent="-266700">
-              <a:buFont typeface="+mj-ea"/>
-              <a:buAutoNum type="circleNumDbPlain"/>
-            </a:pPr>
-            <a:r>
-              <a:rPr lang="ko-KR" altLang="en-US" dirty="0">
-                <a:latin typeface="+mn-ea"/>
-              </a:rPr>
-              <a:t>나의 원격저장소</a:t>
-            </a:r>
-            <a:r>
-              <a:rPr lang="en-US" altLang="ko-KR" dirty="0">
-                <a:latin typeface="+mn-ea"/>
-              </a:rPr>
-              <a:t>(origin)</a:t>
-            </a:r>
-            <a:r>
-              <a:rPr lang="ko-KR" altLang="en-US" dirty="0">
-                <a:latin typeface="+mn-ea"/>
-              </a:rPr>
-              <a:t>에서 </a:t>
-            </a:r>
-            <a:r>
-              <a:rPr lang="en-US" altLang="ko-KR" dirty="0">
-                <a:latin typeface="+mn-ea"/>
-              </a:rPr>
-              <a:t>Compare &amp; pull request </a:t>
-            </a:r>
-            <a:r>
-              <a:rPr lang="ko-KR" altLang="en-US" dirty="0">
-                <a:latin typeface="+mn-ea"/>
-              </a:rPr>
-              <a:t>하기</a:t>
-            </a:r>
+            <a:pPr lvl="1"/>
             <a:endParaRPr lang="en-US" altLang="ko-KR" dirty="0">
               <a:latin typeface="+mn-ea"/>
             </a:endParaRPr>
           </a:p>
           <a:p>
-            <a:pPr marL="533400" lvl="1" indent="-266700">
-              <a:buFont typeface="+mj-ea"/>
-              <a:buAutoNum type="circleNumDbPlain"/>
-            </a:pPr>
-            <a:r>
-              <a:rPr lang="ko-KR" altLang="en-US" dirty="0">
-                <a:latin typeface="+mn-ea"/>
-              </a:rPr>
-              <a:t>나의 원격저장소</a:t>
-            </a:r>
-            <a:r>
-              <a:rPr lang="en-US" altLang="ko-KR" dirty="0">
-                <a:latin typeface="+mn-ea"/>
-              </a:rPr>
-              <a:t>(origin)</a:t>
-            </a:r>
-            <a:r>
-              <a:rPr lang="ko-KR" altLang="en-US" dirty="0">
-                <a:latin typeface="+mn-ea"/>
-              </a:rPr>
-              <a:t>에서</a:t>
-            </a:r>
-            <a:r>
-              <a:rPr lang="en-US" altLang="ko-KR" dirty="0">
-                <a:latin typeface="+mn-ea"/>
-              </a:rPr>
-              <a:t> Create</a:t>
-            </a:r>
-            <a:r>
-              <a:rPr lang="ko-KR" altLang="en-US" dirty="0">
-                <a:latin typeface="+mn-ea"/>
-              </a:rPr>
-              <a:t> </a:t>
-            </a:r>
-            <a:r>
-              <a:rPr lang="en-US" altLang="ko-KR" dirty="0">
-                <a:latin typeface="+mn-ea"/>
-              </a:rPr>
-              <a:t>pull request</a:t>
-            </a:r>
-            <a:r>
-              <a:rPr lang="ko-KR" altLang="en-US" dirty="0">
-                <a:latin typeface="+mn-ea"/>
-              </a:rPr>
-              <a:t>하기</a:t>
-            </a:r>
+            <a:pPr lvl="1"/>
             <a:endParaRPr lang="en-US" altLang="ko-KR" dirty="0">
               <a:latin typeface="+mn-ea"/>
             </a:endParaRPr>
           </a:p>
           <a:p>
-            <a:pPr marL="533400" lvl="1" indent="-266700">
-              <a:buFont typeface="+mj-ea"/>
-              <a:buAutoNum type="circleNumDbPlain"/>
+            <a:pPr lvl="1"/>
+            <a:endParaRPr lang="en-US" altLang="ko-KR" dirty="0">
+              <a:latin typeface="+mn-ea"/>
+            </a:endParaRPr>
+          </a:p>
+          <a:p>
+            <a:pPr lvl="1"/>
+            <a:endParaRPr lang="en-US" altLang="ko-KR" dirty="0">
+              <a:latin typeface="+mn-ea"/>
+            </a:endParaRPr>
+          </a:p>
+          <a:p>
+            <a:pPr lvl="1"/>
+            <a:r>
+              <a:rPr lang="en-US" altLang="ko-KR" dirty="0">
+                <a:latin typeface="+mn-ea"/>
+              </a:rPr>
+              <a:t> Compare</a:t>
+            </a:r>
+            <a:r>
+              <a:rPr lang="ko-KR" altLang="en-US" dirty="0">
+                <a:latin typeface="+mn-ea"/>
+              </a:rPr>
+              <a:t>사용시 </a:t>
+            </a:r>
+            <a:r>
+              <a:rPr lang="en-US" altLang="ko-KR" dirty="0">
+                <a:latin typeface="+mn-ea"/>
+              </a:rPr>
+              <a:t>upstream</a:t>
+            </a:r>
+            <a:r>
+              <a:rPr lang="ko-KR" altLang="en-US" dirty="0">
+                <a:latin typeface="+mn-ea"/>
+              </a:rPr>
+              <a:t>으로부터 </a:t>
+            </a:r>
+            <a:r>
+              <a:rPr lang="en-US" altLang="ko-KR" dirty="0">
+                <a:latin typeface="+mn-ea"/>
+              </a:rPr>
+              <a:t>PR </a:t>
+            </a:r>
+            <a:r>
+              <a:rPr lang="ko-KR" altLang="en-US" dirty="0">
+                <a:latin typeface="+mn-ea"/>
+              </a:rPr>
+              <a:t>및 </a:t>
+            </a:r>
+            <a:r>
+              <a:rPr lang="en-US" altLang="ko-KR" dirty="0">
+                <a:latin typeface="+mn-ea"/>
+              </a:rPr>
+              <a:t>merge</a:t>
+            </a:r>
+            <a:r>
+              <a:rPr lang="ko-KR" altLang="en-US" dirty="0">
+                <a:latin typeface="+mn-ea"/>
+              </a:rPr>
+              <a:t> 작업 진행</a:t>
+            </a:r>
+            <a:endParaRPr lang="en-US" altLang="ko-KR" dirty="0">
+              <a:latin typeface="+mn-ea"/>
+            </a:endParaRPr>
+          </a:p>
+          <a:p>
+            <a:pPr lvl="1"/>
+            <a:endParaRPr lang="en-US" altLang="ko-KR" dirty="0">
+              <a:latin typeface="+mn-ea"/>
+            </a:endParaRPr>
+          </a:p>
+          <a:p>
+            <a:pPr marL="266700" lvl="1" indent="0">
+              <a:buNone/>
             </a:pPr>
             <a:r>
               <a:rPr lang="en-US" altLang="ko-KR" dirty="0">
                 <a:latin typeface="+mn-ea"/>
               </a:rPr>
-              <a:t>Merge</a:t>
-            </a:r>
-            <a:r>
-              <a:rPr lang="ko-KR" altLang="en-US" dirty="0">
-                <a:latin typeface="+mn-ea"/>
-              </a:rPr>
-              <a:t>된 후</a:t>
-            </a:r>
-            <a:r>
-              <a:rPr lang="en-US" altLang="ko-KR" dirty="0">
-                <a:latin typeface="+mn-ea"/>
-              </a:rPr>
-              <a:t>, upstream</a:t>
-            </a:r>
-            <a:r>
-              <a:rPr lang="ko-KR" altLang="en-US" dirty="0">
-                <a:latin typeface="+mn-ea"/>
-              </a:rPr>
-              <a:t>내용을 </a:t>
-            </a:r>
-            <a:r>
-              <a:rPr lang="en-US" altLang="ko-KR" dirty="0">
-                <a:latin typeface="+mn-ea"/>
-              </a:rPr>
-              <a:t>local</a:t>
-            </a:r>
-            <a:r>
-              <a:rPr lang="ko-KR" altLang="en-US" dirty="0">
-                <a:latin typeface="+mn-ea"/>
-              </a:rPr>
-              <a:t> 저장소에 </a:t>
-            </a:r>
-            <a:r>
-              <a:rPr lang="en-US" altLang="ko-KR" dirty="0">
-                <a:latin typeface="+mn-ea"/>
-              </a:rPr>
-              <a:t>pull</a:t>
-            </a:r>
-            <a:r>
-              <a:rPr lang="ko-KR" altLang="en-US" dirty="0">
-                <a:latin typeface="+mn-ea"/>
-              </a:rPr>
-              <a:t>하기</a:t>
-            </a:r>
-            <a:r>
-              <a:rPr lang="en-US" altLang="ko-KR" dirty="0">
-                <a:latin typeface="+mn-ea"/>
-              </a:rPr>
-              <a:t> ☞ git pull upstream main</a:t>
-            </a:r>
-          </a:p>
-          <a:p>
-            <a:pPr marL="533400" lvl="1" indent="-266700">
-              <a:buFont typeface="+mj-ea"/>
-              <a:buAutoNum type="circleNumDbPlain"/>
-            </a:pPr>
-            <a:r>
-              <a:rPr lang="ko-KR" altLang="en-US" dirty="0">
-                <a:latin typeface="+mn-ea"/>
-              </a:rPr>
-              <a:t>로컬저장소에서 작업한 </a:t>
-            </a:r>
-            <a:r>
-              <a:rPr lang="en-US" altLang="ko-KR" dirty="0">
-                <a:latin typeface="+mn-ea"/>
-              </a:rPr>
-              <a:t>branch </a:t>
-            </a:r>
-            <a:r>
-              <a:rPr lang="ko-KR" altLang="en-US" dirty="0">
-                <a:latin typeface="+mn-ea"/>
-              </a:rPr>
-              <a:t>지우기</a:t>
-            </a:r>
-            <a:r>
-              <a:rPr lang="en-US" altLang="ko-KR" dirty="0">
-                <a:latin typeface="+mn-ea"/>
-              </a:rPr>
-              <a:t> ☞ git branch -d new-branch</a:t>
-            </a:r>
-          </a:p>
-          <a:p>
-            <a:pPr marL="533400" lvl="1" indent="-266700">
-              <a:buFont typeface="+mj-ea"/>
-              <a:buAutoNum type="circleNumDbPlain"/>
-            </a:pPr>
-            <a:r>
-              <a:rPr lang="ko-KR" altLang="en-US" dirty="0">
-                <a:latin typeface="+mn-ea"/>
-              </a:rPr>
-              <a:t>로컬저장소 내용을 </a:t>
-            </a:r>
-            <a:r>
-              <a:rPr lang="en-US" altLang="ko-KR" dirty="0">
-                <a:latin typeface="+mn-ea"/>
-              </a:rPr>
-              <a:t>origin</a:t>
-            </a:r>
-            <a:r>
-              <a:rPr lang="ko-KR" altLang="en-US" dirty="0">
-                <a:latin typeface="+mn-ea"/>
-              </a:rPr>
-              <a:t>으로 </a:t>
-            </a:r>
-            <a:r>
-              <a:rPr lang="en-US" altLang="ko-KR" dirty="0">
-                <a:latin typeface="+mn-ea"/>
-              </a:rPr>
-              <a:t>push</a:t>
-            </a:r>
-            <a:r>
-              <a:rPr lang="ko-KR" altLang="en-US" dirty="0">
-                <a:latin typeface="+mn-ea"/>
-              </a:rPr>
-              <a:t>하기</a:t>
-            </a:r>
-            <a:r>
-              <a:rPr lang="en-US" altLang="ko-KR" dirty="0">
-                <a:latin typeface="+mn-ea"/>
-              </a:rPr>
-              <a:t> ☞ git push origin main</a:t>
-            </a:r>
-          </a:p>
-          <a:p>
-            <a:pPr marL="533400" lvl="1" indent="-266700">
-              <a:buFont typeface="+mj-ea"/>
-              <a:buAutoNum type="circleNumDbPlain"/>
-            </a:pPr>
-            <a:r>
-              <a:rPr lang="ko-KR" altLang="en-US" dirty="0">
-                <a:latin typeface="+mn-ea"/>
-              </a:rPr>
-              <a:t>원격저장소</a:t>
-            </a:r>
-            <a:r>
-              <a:rPr lang="en-US" altLang="ko-KR" dirty="0">
-                <a:latin typeface="+mn-ea"/>
-              </a:rPr>
-              <a:t>(origin) </a:t>
-            </a:r>
-            <a:r>
-              <a:rPr lang="ko-KR" altLang="en-US" dirty="0" err="1">
-                <a:latin typeface="+mn-ea"/>
-              </a:rPr>
-              <a:t>브랜치</a:t>
-            </a:r>
-            <a:r>
-              <a:rPr lang="ko-KR" altLang="en-US" dirty="0">
-                <a:latin typeface="+mn-ea"/>
-              </a:rPr>
-              <a:t> 삭제하기</a:t>
-            </a:r>
-            <a:r>
-              <a:rPr lang="en-US" altLang="ko-KR" dirty="0">
-                <a:latin typeface="+mn-ea"/>
-              </a:rPr>
-              <a:t> ☞ git push -d origin new-branch </a:t>
-            </a:r>
-          </a:p>
-          <a:p>
-            <a:pPr marL="533400" lvl="1" indent="-266700">
-              <a:buFont typeface="+mj-ea"/>
-              <a:buAutoNum type="circleNumDbPlain"/>
+              <a:t> </a:t>
+            </a:r>
+          </a:p>
+          <a:p>
+            <a:pPr lvl="1"/>
+            <a:endParaRPr lang="en-US" altLang="ko-KR" dirty="0">
+              <a:latin typeface="+mn-ea"/>
+            </a:endParaRPr>
+          </a:p>
+          <a:p>
+            <a:pPr marL="266700" lvl="1" indent="0">
+              <a:buNone/>
             </a:pPr>
             <a:endParaRPr lang="en-US" altLang="ko-KR" dirty="0">
               <a:latin typeface="+mn-ea"/>
             </a:endParaRPr>
           </a:p>
-        </p:txBody>
-      </p:sp>
-      <p:sp>
-        <p:nvSpPr>
-          <p:cNvPr id="3" name="슬라이드 번호 개체 틀 2">
+          <a:p>
+            <a:pPr marL="266700" lvl="1" indent="0">
+              <a:buNone/>
+            </a:pPr>
+            <a:endParaRPr lang="en-US" altLang="ko-KR" dirty="0">
+              <a:latin typeface="+mn-ea"/>
+            </a:endParaRPr>
+          </a:p>
+          <a:p>
+            <a:pPr marL="266700" lvl="1" indent="0">
+              <a:buNone/>
+            </a:pPr>
+            <a:endParaRPr lang="en-US" altLang="ko-KR" dirty="0">
+              <a:latin typeface="+mn-ea"/>
+            </a:endParaRPr>
+          </a:p>
+          <a:p>
+            <a:pPr marL="266700" lvl="1" indent="0">
+              <a:buNone/>
+            </a:pPr>
+            <a:endParaRPr lang="en-US" altLang="ko-KR" dirty="0">
+              <a:latin typeface="+mn-ea"/>
+            </a:endParaRPr>
+          </a:p>
+          <a:p>
+            <a:pPr marL="266700" lvl="1" indent="0">
+              <a:buNone/>
+            </a:pPr>
+            <a:endParaRPr lang="en-US" altLang="ko-KR" dirty="0">
+              <a:latin typeface="+mn-ea"/>
+            </a:endParaRPr>
+          </a:p>
+          <a:p>
+            <a:pPr marL="266700" lvl="1" indent="0">
+              <a:buNone/>
+            </a:pPr>
+            <a:endParaRPr lang="en-US" altLang="ko-KR" dirty="0">
+              <a:latin typeface="+mn-ea"/>
+            </a:endParaRPr>
+          </a:p>
+        </p:txBody>
+      </p:sp>
+      <p:sp>
+        <p:nvSpPr>
+          <p:cNvPr id="2" name="슬라이드 번호 개체 틀 1">
             <a:extLst>
               <a:ext uri="{FF2B5EF4-FFF2-40B4-BE49-F238E27FC236}">
-                <a16:creationId xmlns:a16="http://schemas.microsoft.com/office/drawing/2014/main" id="{79775DA8-C328-47D1-90D8-4B02555F6B3F}"/>
+                <a16:creationId xmlns:a16="http://schemas.microsoft.com/office/drawing/2014/main" id="{D6BC65D2-2E7E-4A4E-A239-2EAB558EF9E1}"/>
               </a:ext>
             </a:extLst>
           </p:cNvPr>
@@ -38610,10 +38521,266 @@
           </a:p>
         </p:txBody>
       </p:sp>
+      <p:sp>
+        <p:nvSpPr>
+          <p:cNvPr id="8" name="직사각형 7">
+            <a:extLst>
+              <a:ext uri="{FF2B5EF4-FFF2-40B4-BE49-F238E27FC236}">
+                <a16:creationId xmlns:a16="http://schemas.microsoft.com/office/drawing/2014/main" id="{37DA4DD4-B49A-49A3-AF10-B61947A2C5B6}"/>
+              </a:ext>
+            </a:extLst>
+          </p:cNvPr>
+          <p:cNvSpPr/>
+          <p:nvPr/>
+        </p:nvSpPr>
+        <p:spPr>
+          <a:xfrm flipH="1">
+            <a:off x="7030682" y="2529169"/>
+            <a:ext cx="1111049" cy="196318"/>
+          </a:xfrm>
+          <a:prstGeom prst="rect">
+            <a:avLst/>
+          </a:prstGeom>
+          <a:noFill/>
+          <a:ln w="28575">
+            <a:solidFill>
+              <a:srgbClr val="FF0000"/>
+            </a:solidFill>
+          </a:ln>
+        </p:spPr>
+        <p:style>
+          <a:lnRef idx="2">
+            <a:schemeClr val="accent1">
+              <a:shade val="50000"/>
+            </a:schemeClr>
+          </a:lnRef>
+          <a:fillRef idx="1">
+            <a:schemeClr val="accent1"/>
+          </a:fillRef>
+          <a:effectRef idx="0">
+            <a:schemeClr val="accent1"/>
+          </a:effectRef>
+          <a:fontRef idx="minor">
+            <a:schemeClr val="lt1"/>
+          </a:fontRef>
+        </p:style>
+        <p:txBody>
+          <a:bodyPr rtlCol="0" anchor="ctr"/>
+          <a:lstStyle/>
+          <a:p>
+            <a:endParaRPr lang="ko-KR" altLang="en-US" b="1" dirty="0">
+              <a:solidFill>
+                <a:srgbClr val="FF0000"/>
+              </a:solidFill>
+            </a:endParaRPr>
+          </a:p>
+        </p:txBody>
+      </p:sp>
+      <p:sp>
+        <p:nvSpPr>
+          <p:cNvPr id="14" name="직사각형 13">
+            <a:extLst>
+              <a:ext uri="{FF2B5EF4-FFF2-40B4-BE49-F238E27FC236}">
+                <a16:creationId xmlns:a16="http://schemas.microsoft.com/office/drawing/2014/main" id="{C80F7F54-F729-44F8-9ECD-B5FD4988FB80}"/>
+              </a:ext>
+            </a:extLst>
+          </p:cNvPr>
+          <p:cNvSpPr/>
+          <p:nvPr/>
+        </p:nvSpPr>
+        <p:spPr>
+          <a:xfrm flipH="1">
+            <a:off x="6667124" y="3910988"/>
+            <a:ext cx="1441555" cy="269914"/>
+          </a:xfrm>
+          <a:prstGeom prst="rect">
+            <a:avLst/>
+          </a:prstGeom>
+          <a:noFill/>
+          <a:ln w="28575">
+            <a:solidFill>
+              <a:srgbClr val="FF0000"/>
+            </a:solidFill>
+          </a:ln>
+        </p:spPr>
+        <p:style>
+          <a:lnRef idx="2">
+            <a:schemeClr val="accent1">
+              <a:shade val="50000"/>
+            </a:schemeClr>
+          </a:lnRef>
+          <a:fillRef idx="1">
+            <a:schemeClr val="accent1"/>
+          </a:fillRef>
+          <a:effectRef idx="0">
+            <a:schemeClr val="accent1"/>
+          </a:effectRef>
+          <a:fontRef idx="minor">
+            <a:schemeClr val="lt1"/>
+          </a:fontRef>
+        </p:style>
+        <p:txBody>
+          <a:bodyPr rtlCol="0" anchor="ctr"/>
+          <a:lstStyle/>
+          <a:p>
+            <a:endParaRPr lang="ko-KR" altLang="en-US" b="1" dirty="0">
+              <a:solidFill>
+                <a:srgbClr val="FF0000"/>
+              </a:solidFill>
+            </a:endParaRPr>
+          </a:p>
+        </p:txBody>
+      </p:sp>
+      <p:cxnSp>
+        <p:nvCxnSpPr>
+          <p:cNvPr id="15" name="직선 화살표 연결선 14">
+            <a:extLst>
+              <a:ext uri="{FF2B5EF4-FFF2-40B4-BE49-F238E27FC236}">
+                <a16:creationId xmlns:a16="http://schemas.microsoft.com/office/drawing/2014/main" id="{CD48FAD8-C8AF-40F2-801C-F6789A8671FE}"/>
+              </a:ext>
+            </a:extLst>
+          </p:cNvPr>
+          <p:cNvCxnSpPr>
+            <a:cxnSpLocks/>
+          </p:cNvCxnSpPr>
+          <p:nvPr/>
+        </p:nvCxnSpPr>
+        <p:spPr>
+          <a:xfrm flipH="1">
+            <a:off x="7700790" y="2761905"/>
+            <a:ext cx="121186" cy="1149083"/>
+          </a:xfrm>
+          <a:prstGeom prst="straightConnector1">
+            <a:avLst/>
+          </a:prstGeom>
+          <a:ln w="25400">
+            <a:solidFill>
+              <a:schemeClr val="accent1">
+                <a:lumMod val="60000"/>
+                <a:lumOff val="40000"/>
+              </a:schemeClr>
+            </a:solidFill>
+            <a:tailEnd type="triangle"/>
+          </a:ln>
+        </p:spPr>
+        <p:style>
+          <a:lnRef idx="1">
+            <a:schemeClr val="accent1"/>
+          </a:lnRef>
+          <a:fillRef idx="0">
+            <a:schemeClr val="accent1"/>
+          </a:fillRef>
+          <a:effectRef idx="0">
+            <a:schemeClr val="accent1"/>
+          </a:effectRef>
+          <a:fontRef idx="minor">
+            <a:schemeClr val="tx1"/>
+          </a:fontRef>
+        </p:style>
+      </p:cxnSp>
+      <p:sp>
+        <p:nvSpPr>
+          <p:cNvPr id="17" name="직사각형 16">
+            <a:extLst>
+              <a:ext uri="{FF2B5EF4-FFF2-40B4-BE49-F238E27FC236}">
+                <a16:creationId xmlns:a16="http://schemas.microsoft.com/office/drawing/2014/main" id="{FB62AEBB-6396-44E3-AD09-3BAE3557C859}"/>
+              </a:ext>
+            </a:extLst>
+          </p:cNvPr>
+          <p:cNvSpPr/>
+          <p:nvPr/>
+        </p:nvSpPr>
+        <p:spPr>
+          <a:xfrm flipH="1">
+            <a:off x="5212897" y="3910988"/>
+            <a:ext cx="1167523" cy="269914"/>
+          </a:xfrm>
+          <a:prstGeom prst="rect">
+            <a:avLst/>
+          </a:prstGeom>
+          <a:noFill/>
+          <a:ln w="28575">
+            <a:solidFill>
+              <a:srgbClr val="0000FF"/>
+            </a:solidFill>
+          </a:ln>
+        </p:spPr>
+        <p:style>
+          <a:lnRef idx="2">
+            <a:schemeClr val="accent1">
+              <a:shade val="50000"/>
+            </a:schemeClr>
+          </a:lnRef>
+          <a:fillRef idx="1">
+            <a:schemeClr val="accent1"/>
+          </a:fillRef>
+          <a:effectRef idx="0">
+            <a:schemeClr val="accent1"/>
+          </a:effectRef>
+          <a:fontRef idx="minor">
+            <a:schemeClr val="lt1"/>
+          </a:fontRef>
+        </p:style>
+        <p:txBody>
+          <a:bodyPr rtlCol="0" anchor="ctr"/>
+          <a:lstStyle/>
+          <a:p>
+            <a:endParaRPr lang="ko-KR" altLang="en-US" b="1" dirty="0">
+              <a:solidFill>
+                <a:srgbClr val="FF0000"/>
+              </a:solidFill>
+            </a:endParaRPr>
+          </a:p>
+        </p:txBody>
+      </p:sp>
+      <p:cxnSp>
+        <p:nvCxnSpPr>
+          <p:cNvPr id="18" name="직선 화살표 연결선 17">
+            <a:extLst>
+              <a:ext uri="{FF2B5EF4-FFF2-40B4-BE49-F238E27FC236}">
+                <a16:creationId xmlns:a16="http://schemas.microsoft.com/office/drawing/2014/main" id="{0D6E1E7B-7F55-441E-A493-BF3A0468ED4F}"/>
+              </a:ext>
+            </a:extLst>
+          </p:cNvPr>
+          <p:cNvCxnSpPr>
+            <a:cxnSpLocks/>
+          </p:cNvCxnSpPr>
+          <p:nvPr/>
+        </p:nvCxnSpPr>
+        <p:spPr>
+          <a:xfrm flipV="1">
+            <a:off x="1344058" y="4180903"/>
+            <a:ext cx="3868839" cy="490249"/>
+          </a:xfrm>
+          <a:prstGeom prst="straightConnector1">
+            <a:avLst/>
+          </a:prstGeom>
+          <a:ln w="25400">
+            <a:solidFill>
+              <a:srgbClr val="0000FF"/>
+            </a:solidFill>
+            <a:tailEnd type="triangle"/>
+          </a:ln>
+        </p:spPr>
+        <p:style>
+          <a:lnRef idx="1">
+            <a:schemeClr val="accent1"/>
+          </a:lnRef>
+          <a:fillRef idx="0">
+            <a:schemeClr val="accent1"/>
+          </a:fillRef>
+          <a:effectRef idx="0">
+            <a:schemeClr val="accent1"/>
+          </a:effectRef>
+          <a:fontRef idx="minor">
+            <a:schemeClr val="tx1"/>
+          </a:fontRef>
+        </p:style>
+      </p:cxnSp>
     </p:spTree>
     <p:extLst>
       <p:ext uri="{BB962C8B-B14F-4D97-AF65-F5344CB8AC3E}">
-        <p14:creationId xmlns:p14="http://schemas.microsoft.com/office/powerpoint/2010/main" val="473554646"/>
+        <p14:creationId xmlns:p14="http://schemas.microsoft.com/office/powerpoint/2010/main" val="2476377210"/>
       </p:ext>
     </p:extLst>
   </p:cSld>
@@ -38670,7 +38837,7 @@
           <a:p>
             <a:r>
               <a:rPr lang="ko-KR" altLang="en-US" dirty="0"/>
-              <a:t>오픈소스 참조</a:t>
+              <a:t>전체 요약 순서</a:t>
             </a:r>
           </a:p>
         </p:txBody>
@@ -38844,53 +39011,519 @@
           <a:p>
             <a:r>
               <a:rPr lang="ko-KR" altLang="en-US" dirty="0"/>
-              <a:t>오픈소스 소개</a:t>
+              <a:t>전체 요약 순서</a:t>
             </a:r>
             <a:endParaRPr lang="en-US" altLang="ko-KR" dirty="0"/>
           </a:p>
           <a:p>
-            <a:pPr marL="0" indent="0">
-              <a:buNone/>
+            <a:pPr marL="533400" lvl="1" indent="-266700">
+              <a:buFont typeface="+mj-ea"/>
+              <a:buAutoNum type="circleNumDbPlain"/>
             </a:pPr>
             <a:r>
-              <a:rPr lang="en-US" altLang="ko-KR" sz="1800" b="0" dirty="0">
-                <a:latin typeface="+mn-ea"/>
-              </a:rPr>
-              <a:t>  </a:t>
-            </a:r>
-            <a:r>
-              <a:rPr lang="ko-KR" altLang="en-US" sz="1800" b="0" dirty="0">
-                <a:latin typeface="+mn-ea"/>
-              </a:rPr>
-              <a:t>네이버 오픈소스 가이드 </a:t>
-            </a:r>
-            <a:r>
-              <a:rPr lang="en-US" altLang="ko-KR" sz="1800" b="0" dirty="0">
-                <a:latin typeface="+mn-ea"/>
-              </a:rPr>
-              <a:t>:     </a:t>
-            </a:r>
-          </a:p>
-          <a:p>
-            <a:pPr marL="0" indent="0">
-              <a:buNone/>
+              <a:rPr lang="ko-KR" altLang="en-US" dirty="0">
+                <a:latin typeface="+mn-ea"/>
+              </a:rPr>
+              <a:t>나의 </a:t>
+            </a:r>
+            <a:r>
+              <a:rPr lang="en-US" altLang="ko-KR" dirty="0" err="1">
+                <a:latin typeface="+mn-ea"/>
+              </a:rPr>
+              <a:t>github</a:t>
+            </a:r>
+            <a:r>
+              <a:rPr lang="en-US" altLang="ko-KR" dirty="0">
+                <a:latin typeface="+mn-ea"/>
+              </a:rPr>
+              <a:t> </a:t>
+            </a:r>
+            <a:r>
+              <a:rPr lang="ko-KR" altLang="en-US" dirty="0">
+                <a:latin typeface="+mn-ea"/>
+              </a:rPr>
+              <a:t>계정에 로그인</a:t>
+            </a:r>
+            <a:endParaRPr lang="en-US" altLang="ko-KR" dirty="0">
+              <a:latin typeface="+mn-ea"/>
+            </a:endParaRPr>
+          </a:p>
+          <a:p>
+            <a:pPr marL="533400" lvl="1" indent="-266700">
+              <a:buFont typeface="+mj-ea"/>
+              <a:buAutoNum type="circleNumDbPlain"/>
             </a:pPr>
             <a:r>
-              <a:rPr lang="en-US" altLang="ko-KR" sz="1800" b="0" dirty="0">
-                <a:hlinkClick r:id="rId3"/>
-              </a:rPr>
-              <a:t>  </a:t>
-            </a:r>
-            <a:r>
-              <a:rPr lang="en-US" altLang="ko-KR" sz="1800" b="0" dirty="0">
-                <a:latin typeface="+mn-ea"/>
-                <a:hlinkClick r:id="rId3"/>
-              </a:rPr>
-              <a:t>https://naver.github.io/OpenSourceGuide/book/</a:t>
-            </a:r>
-            <a:endParaRPr lang="en-US" altLang="ko-KR" sz="1800" b="0" dirty="0">
+              <a:rPr lang="ko-KR" altLang="en-US" dirty="0">
+                <a:latin typeface="+mn-ea"/>
+              </a:rPr>
+              <a:t>참여하고 싶은 저장소</a:t>
+            </a:r>
+            <a:r>
+              <a:rPr lang="en-US" altLang="ko-KR" dirty="0">
+                <a:latin typeface="+mn-ea"/>
+              </a:rPr>
+              <a:t>(upstream)</a:t>
+            </a:r>
+            <a:r>
+              <a:rPr lang="ko-KR" altLang="en-US" dirty="0">
+                <a:latin typeface="+mn-ea"/>
+              </a:rPr>
+              <a:t> 찾기</a:t>
+            </a:r>
+            <a:endParaRPr lang="en-US" altLang="ko-KR" dirty="0">
               <a:latin typeface="+mn-ea"/>
             </a:endParaRPr>
+          </a:p>
+          <a:p>
+            <a:pPr marL="533400" lvl="1" indent="-266700">
+              <a:buFont typeface="+mj-ea"/>
+              <a:buAutoNum type="circleNumDbPlain"/>
+            </a:pPr>
+            <a:r>
+              <a:rPr lang="ko-KR" altLang="en-US" dirty="0">
+                <a:latin typeface="+mn-ea"/>
+              </a:rPr>
+              <a:t>나의 원격저장소</a:t>
+            </a:r>
+            <a:r>
+              <a:rPr lang="en-US" altLang="ko-KR" dirty="0">
+                <a:latin typeface="+mn-ea"/>
+              </a:rPr>
+              <a:t>(origin)</a:t>
+            </a:r>
+            <a:r>
+              <a:rPr lang="ko-KR" altLang="en-US" dirty="0">
+                <a:latin typeface="+mn-ea"/>
+              </a:rPr>
+              <a:t>로 </a:t>
+            </a:r>
+            <a:r>
+              <a:rPr lang="en-US" altLang="ko-KR" dirty="0">
+                <a:latin typeface="+mn-ea"/>
+              </a:rPr>
+              <a:t>Fork</a:t>
+            </a:r>
+            <a:r>
+              <a:rPr lang="ko-KR" altLang="en-US" dirty="0">
+                <a:latin typeface="+mn-ea"/>
+              </a:rPr>
+              <a:t>하기</a:t>
+            </a:r>
+            <a:endParaRPr lang="en-US" altLang="ko-KR" dirty="0">
+              <a:latin typeface="+mn-ea"/>
+            </a:endParaRPr>
+          </a:p>
+          <a:p>
+            <a:pPr marL="533400" lvl="1" indent="-266700">
+              <a:buFont typeface="+mj-ea"/>
+              <a:buAutoNum type="circleNumDbPlain"/>
+            </a:pPr>
+            <a:r>
+              <a:rPr lang="ko-KR" altLang="en-US" dirty="0">
+                <a:latin typeface="+mn-ea"/>
+              </a:rPr>
+              <a:t>나의 로컬저장소로 </a:t>
+            </a:r>
+            <a:r>
+              <a:rPr lang="en-US" altLang="ko-KR" dirty="0">
+                <a:latin typeface="+mn-ea"/>
+              </a:rPr>
+              <a:t>clone</a:t>
+            </a:r>
+            <a:r>
+              <a:rPr lang="ko-KR" altLang="en-US" dirty="0">
+                <a:latin typeface="+mn-ea"/>
+              </a:rPr>
+              <a:t>하기 </a:t>
+            </a:r>
+            <a:r>
+              <a:rPr lang="en-US" altLang="ko-KR" dirty="0">
+                <a:latin typeface="+mn-ea"/>
+              </a:rPr>
+              <a:t> ☞ git clone</a:t>
+            </a:r>
+            <a:r>
+              <a:rPr lang="ko-KR" altLang="en-US" dirty="0">
+                <a:latin typeface="+mn-ea"/>
+              </a:rPr>
+              <a:t> </a:t>
+            </a:r>
+            <a:r>
+              <a:rPr lang="en-US" altLang="ko-KR" dirty="0">
+                <a:latin typeface="+mn-ea"/>
+              </a:rPr>
+              <a:t>upstream-address</a:t>
+            </a:r>
+          </a:p>
+          <a:p>
+            <a:pPr marL="533400" lvl="1" indent="-266700">
+              <a:buFont typeface="+mj-ea"/>
+              <a:buAutoNum type="circleNumDbPlain"/>
+            </a:pPr>
+            <a:r>
+              <a:rPr lang="ko-KR" altLang="en-US" dirty="0">
+                <a:latin typeface="+mn-ea"/>
+              </a:rPr>
+              <a:t>로컬저장소에서 작업 </a:t>
+            </a:r>
+            <a:r>
+              <a:rPr lang="en-US" altLang="ko-KR" dirty="0">
+                <a:latin typeface="+mn-ea"/>
+              </a:rPr>
+              <a:t>branch </a:t>
+            </a:r>
+            <a:r>
+              <a:rPr lang="ko-KR" altLang="en-US" dirty="0">
+                <a:latin typeface="+mn-ea"/>
+              </a:rPr>
+              <a:t>만들기</a:t>
+            </a:r>
+            <a:r>
+              <a:rPr lang="en-US" altLang="ko-KR" dirty="0">
+                <a:latin typeface="+mn-ea"/>
+              </a:rPr>
+              <a:t> ☞ git checkout</a:t>
+            </a:r>
+            <a:r>
+              <a:rPr lang="ko-KR" altLang="en-US" dirty="0">
+                <a:latin typeface="+mn-ea"/>
+              </a:rPr>
+              <a:t> </a:t>
+            </a:r>
+            <a:r>
+              <a:rPr lang="en-US" altLang="ko-KR" dirty="0">
+                <a:latin typeface="+mn-ea"/>
+              </a:rPr>
+              <a:t>-b</a:t>
+            </a:r>
+            <a:r>
+              <a:rPr lang="ko-KR" altLang="en-US" dirty="0">
+                <a:latin typeface="+mn-ea"/>
+              </a:rPr>
+              <a:t> </a:t>
+            </a:r>
+            <a:r>
+              <a:rPr lang="en-US" altLang="ko-KR" dirty="0">
+                <a:latin typeface="+mn-ea"/>
+              </a:rPr>
+              <a:t>new-branch</a:t>
+            </a:r>
+          </a:p>
+          <a:p>
+            <a:pPr marL="533400" lvl="1" indent="-266700">
+              <a:buFont typeface="+mj-ea"/>
+              <a:buAutoNum type="circleNumDbPlain"/>
+            </a:pPr>
+            <a:r>
+              <a:rPr lang="ko-KR" altLang="en-US" dirty="0">
+                <a:latin typeface="+mn-ea"/>
+              </a:rPr>
+              <a:t>기여할 내용 수정작업하기</a:t>
+            </a:r>
+            <a:endParaRPr lang="en-US" altLang="ko-KR" dirty="0">
+              <a:latin typeface="+mn-ea"/>
+            </a:endParaRPr>
+          </a:p>
+          <a:p>
+            <a:pPr marL="533400" lvl="1" indent="-266700">
+              <a:buFont typeface="+mj-ea"/>
+              <a:buAutoNum type="circleNumDbPlain"/>
+            </a:pPr>
+            <a:r>
+              <a:rPr lang="ko-KR" altLang="en-US" dirty="0">
+                <a:latin typeface="+mn-ea"/>
+              </a:rPr>
+              <a:t>나의 원격저장소</a:t>
+            </a:r>
+            <a:r>
+              <a:rPr lang="en-US" altLang="ko-KR" dirty="0">
+                <a:latin typeface="+mn-ea"/>
+              </a:rPr>
+              <a:t>(origin)</a:t>
+            </a:r>
+            <a:r>
+              <a:rPr lang="ko-KR" altLang="en-US" dirty="0">
+                <a:latin typeface="+mn-ea"/>
+              </a:rPr>
+              <a:t>로 </a:t>
+            </a:r>
+            <a:r>
+              <a:rPr lang="en-US" altLang="ko-KR" dirty="0">
+                <a:latin typeface="+mn-ea"/>
+              </a:rPr>
+              <a:t>push</a:t>
+            </a:r>
+            <a:r>
+              <a:rPr lang="ko-KR" altLang="en-US" dirty="0">
+                <a:latin typeface="+mn-ea"/>
+              </a:rPr>
+              <a:t>하기</a:t>
+            </a:r>
+            <a:r>
+              <a:rPr lang="en-US" altLang="ko-KR" dirty="0">
+                <a:latin typeface="+mn-ea"/>
+              </a:rPr>
+              <a:t> ☞ git push -u origin new-branch</a:t>
+            </a:r>
+          </a:p>
+          <a:p>
+            <a:pPr marL="533400" lvl="1" indent="-266700">
+              <a:buFont typeface="+mj-ea"/>
+              <a:buAutoNum type="circleNumDbPlain"/>
+            </a:pPr>
+            <a:r>
+              <a:rPr lang="ko-KR" altLang="en-US" dirty="0">
+                <a:latin typeface="+mn-ea"/>
+              </a:rPr>
+              <a:t>나의 원격저장소</a:t>
+            </a:r>
+            <a:r>
+              <a:rPr lang="en-US" altLang="ko-KR" dirty="0">
+                <a:latin typeface="+mn-ea"/>
+              </a:rPr>
+              <a:t>(origin)</a:t>
+            </a:r>
+            <a:r>
+              <a:rPr lang="ko-KR" altLang="en-US" dirty="0">
+                <a:latin typeface="+mn-ea"/>
+              </a:rPr>
+              <a:t>에서 </a:t>
+            </a:r>
+            <a:r>
+              <a:rPr lang="en-US" altLang="ko-KR" dirty="0">
+                <a:latin typeface="+mn-ea"/>
+              </a:rPr>
+              <a:t>Compare &amp; pull request </a:t>
+            </a:r>
+            <a:r>
+              <a:rPr lang="ko-KR" altLang="en-US" dirty="0">
+                <a:latin typeface="+mn-ea"/>
+              </a:rPr>
+              <a:t>하기</a:t>
+            </a:r>
+            <a:endParaRPr lang="en-US" altLang="ko-KR" dirty="0">
+              <a:latin typeface="+mn-ea"/>
+            </a:endParaRPr>
+          </a:p>
+          <a:p>
+            <a:pPr marL="533400" lvl="1" indent="-266700">
+              <a:buFont typeface="+mj-ea"/>
+              <a:buAutoNum type="circleNumDbPlain"/>
+            </a:pPr>
+            <a:r>
+              <a:rPr lang="ko-KR" altLang="en-US" dirty="0">
+                <a:latin typeface="+mn-ea"/>
+              </a:rPr>
+              <a:t>나의 원격저장소</a:t>
+            </a:r>
+            <a:r>
+              <a:rPr lang="en-US" altLang="ko-KR" dirty="0">
+                <a:latin typeface="+mn-ea"/>
+              </a:rPr>
+              <a:t>(origin)</a:t>
+            </a:r>
+            <a:r>
+              <a:rPr lang="ko-KR" altLang="en-US" dirty="0">
+                <a:latin typeface="+mn-ea"/>
+              </a:rPr>
+              <a:t>에서</a:t>
+            </a:r>
+            <a:r>
+              <a:rPr lang="en-US" altLang="ko-KR" dirty="0">
+                <a:latin typeface="+mn-ea"/>
+              </a:rPr>
+              <a:t> Create</a:t>
+            </a:r>
+            <a:r>
+              <a:rPr lang="ko-KR" altLang="en-US" dirty="0">
+                <a:latin typeface="+mn-ea"/>
+              </a:rPr>
+              <a:t> </a:t>
+            </a:r>
+            <a:r>
+              <a:rPr lang="en-US" altLang="ko-KR" dirty="0">
+                <a:latin typeface="+mn-ea"/>
+              </a:rPr>
+              <a:t>pull request</a:t>
+            </a:r>
+            <a:r>
+              <a:rPr lang="ko-KR" altLang="en-US" dirty="0">
+                <a:latin typeface="+mn-ea"/>
+              </a:rPr>
+              <a:t>하기</a:t>
+            </a:r>
+            <a:endParaRPr lang="en-US" altLang="ko-KR" dirty="0">
+              <a:latin typeface="+mn-ea"/>
+            </a:endParaRPr>
+          </a:p>
+          <a:p>
+            <a:pPr marL="533400" lvl="1" indent="-266700">
+              <a:buFont typeface="+mj-ea"/>
+              <a:buAutoNum type="circleNumDbPlain"/>
+            </a:pPr>
+            <a:r>
+              <a:rPr lang="en-US" altLang="ko-KR" dirty="0">
+                <a:latin typeface="+mn-ea"/>
+              </a:rPr>
+              <a:t>Merge</a:t>
+            </a:r>
+            <a:r>
+              <a:rPr lang="ko-KR" altLang="en-US" dirty="0">
+                <a:latin typeface="+mn-ea"/>
+              </a:rPr>
+              <a:t>된 후</a:t>
+            </a:r>
+            <a:r>
+              <a:rPr lang="en-US" altLang="ko-KR" dirty="0">
+                <a:latin typeface="+mn-ea"/>
+              </a:rPr>
+              <a:t>, upstream</a:t>
+            </a:r>
+            <a:r>
+              <a:rPr lang="ko-KR" altLang="en-US" dirty="0">
+                <a:latin typeface="+mn-ea"/>
+              </a:rPr>
+              <a:t>내용을 </a:t>
+            </a:r>
+            <a:r>
+              <a:rPr lang="en-US" altLang="ko-KR" dirty="0">
+                <a:latin typeface="+mn-ea"/>
+              </a:rPr>
+              <a:t>local</a:t>
+            </a:r>
+            <a:r>
+              <a:rPr lang="ko-KR" altLang="en-US" dirty="0">
+                <a:latin typeface="+mn-ea"/>
+              </a:rPr>
+              <a:t> 저장소에 </a:t>
+            </a:r>
+            <a:r>
+              <a:rPr lang="en-US" altLang="ko-KR" dirty="0">
+                <a:latin typeface="+mn-ea"/>
+              </a:rPr>
+              <a:t>pull</a:t>
+            </a:r>
+            <a:r>
+              <a:rPr lang="ko-KR" altLang="en-US" dirty="0">
+                <a:latin typeface="+mn-ea"/>
+              </a:rPr>
+              <a:t>하기</a:t>
+            </a:r>
+            <a:r>
+              <a:rPr lang="en-US" altLang="ko-KR" dirty="0">
+                <a:latin typeface="+mn-ea"/>
+              </a:rPr>
+              <a:t> ☞ git pull upstream main</a:t>
+            </a:r>
+          </a:p>
+          <a:p>
+            <a:pPr marL="533400" lvl="1" indent="-266700">
+              <a:buFont typeface="+mj-ea"/>
+              <a:buAutoNum type="circleNumDbPlain"/>
+            </a:pPr>
+            <a:r>
+              <a:rPr lang="ko-KR" altLang="en-US" dirty="0">
+                <a:latin typeface="+mn-ea"/>
+              </a:rPr>
+              <a:t>로컬저장소에서 작업한 </a:t>
+            </a:r>
+            <a:r>
+              <a:rPr lang="en-US" altLang="ko-KR" dirty="0">
+                <a:latin typeface="+mn-ea"/>
+              </a:rPr>
+              <a:t>branch </a:t>
+            </a:r>
+            <a:r>
+              <a:rPr lang="ko-KR" altLang="en-US" dirty="0">
+                <a:latin typeface="+mn-ea"/>
+              </a:rPr>
+              <a:t>지우기</a:t>
+            </a:r>
+            <a:r>
+              <a:rPr lang="en-US" altLang="ko-KR" dirty="0">
+                <a:latin typeface="+mn-ea"/>
+              </a:rPr>
+              <a:t> ☞ git branch -d new-branch</a:t>
+            </a:r>
+          </a:p>
+          <a:p>
+            <a:pPr marL="533400" lvl="1" indent="-266700">
+              <a:buFont typeface="+mj-ea"/>
+              <a:buAutoNum type="circleNumDbPlain"/>
+            </a:pPr>
+            <a:r>
+              <a:rPr lang="ko-KR" altLang="en-US" dirty="0">
+                <a:latin typeface="+mn-ea"/>
+              </a:rPr>
+              <a:t>로컬저장소 내용을 </a:t>
+            </a:r>
+            <a:r>
+              <a:rPr lang="en-US" altLang="ko-KR" dirty="0">
+                <a:latin typeface="+mn-ea"/>
+              </a:rPr>
+              <a:t>origin</a:t>
+            </a:r>
+            <a:r>
+              <a:rPr lang="ko-KR" altLang="en-US" dirty="0">
+                <a:latin typeface="+mn-ea"/>
+              </a:rPr>
+              <a:t>으로 </a:t>
+            </a:r>
+            <a:r>
+              <a:rPr lang="en-US" altLang="ko-KR" dirty="0">
+                <a:latin typeface="+mn-ea"/>
+              </a:rPr>
+              <a:t>push</a:t>
+            </a:r>
+            <a:r>
+              <a:rPr lang="ko-KR" altLang="en-US" dirty="0">
+                <a:latin typeface="+mn-ea"/>
+              </a:rPr>
+              <a:t>하기</a:t>
+            </a:r>
+            <a:r>
+              <a:rPr lang="en-US" altLang="ko-KR" dirty="0">
+                <a:latin typeface="+mn-ea"/>
+              </a:rPr>
+              <a:t> ☞ git push origin main</a:t>
+            </a:r>
+          </a:p>
+          <a:p>
+            <a:pPr marL="533400" lvl="1" indent="-266700">
+              <a:buFont typeface="+mj-ea"/>
+              <a:buAutoNum type="circleNumDbPlain"/>
+            </a:pPr>
+            <a:r>
+              <a:rPr lang="ko-KR" altLang="en-US" dirty="0">
+                <a:latin typeface="+mn-ea"/>
+              </a:rPr>
+              <a:t>원격저장소</a:t>
+            </a:r>
+            <a:r>
+              <a:rPr lang="en-US" altLang="ko-KR" dirty="0">
+                <a:latin typeface="+mn-ea"/>
+              </a:rPr>
+              <a:t>(origin) </a:t>
+            </a:r>
+            <a:r>
+              <a:rPr lang="ko-KR" altLang="en-US" dirty="0" err="1">
+                <a:latin typeface="+mn-ea"/>
+              </a:rPr>
+              <a:t>브랜치</a:t>
+            </a:r>
+            <a:r>
+              <a:rPr lang="ko-KR" altLang="en-US" dirty="0">
+                <a:latin typeface="+mn-ea"/>
+              </a:rPr>
+              <a:t> 삭제하기</a:t>
+            </a:r>
+            <a:r>
+              <a:rPr lang="en-US" altLang="ko-KR" dirty="0">
+                <a:latin typeface="+mn-ea"/>
+              </a:rPr>
+              <a:t> ☞ git push -d origin new-branch </a:t>
+            </a:r>
           </a:p>
           <a:p>
             <a:pPr marL="533400" lvl="1" indent="-266700">
@@ -38908,7 +39541,7 @@
           <p:cNvPr id="3" name="슬라이드 번호 개체 틀 2">
             <a:extLst>
               <a:ext uri="{FF2B5EF4-FFF2-40B4-BE49-F238E27FC236}">
-                <a16:creationId xmlns:a16="http://schemas.microsoft.com/office/drawing/2014/main" id="{E7077362-8864-43F0-9B0D-3A411B8CBC1E}"/>
+                <a16:creationId xmlns:a16="http://schemas.microsoft.com/office/drawing/2014/main" id="{79775DA8-C328-47D1-90D8-4B02555F6B3F}"/>
               </a:ext>
             </a:extLst>
           </p:cNvPr>
@@ -38940,7 +39573,7 @@
     </p:spTree>
     <p:extLst>
       <p:ext uri="{BB962C8B-B14F-4D97-AF65-F5344CB8AC3E}">
-        <p14:creationId xmlns:p14="http://schemas.microsoft.com/office/powerpoint/2010/main" val="643486013"/>
+        <p14:creationId xmlns:p14="http://schemas.microsoft.com/office/powerpoint/2010/main" val="473554646"/>
       </p:ext>
     </p:extLst>
   </p:cSld>
@@ -38996,26 +39629,9 @@
           <a:lstStyle/>
           <a:p>
             <a:r>
-              <a:rPr lang="en-US" altLang="ko-KR" dirty="0"/>
-              <a:t>Fork</a:t>
-            </a:r>
-            <a:r>
               <a:rPr lang="ko-KR" altLang="en-US" dirty="0"/>
-              <a:t>후</a:t>
-            </a:r>
-            <a:r>
-              <a:rPr lang="en-US" altLang="ko-KR" dirty="0"/>
-              <a:t>, collaborator </a:t>
-            </a:r>
-            <a:r>
-              <a:rPr lang="ko-KR" altLang="en-US" dirty="0"/>
-              <a:t>선정되면</a:t>
-            </a:r>
-            <a:r>
-              <a:rPr lang="en-US" altLang="ko-KR" dirty="0"/>
-              <a:t>?</a:t>
-            </a:r>
-            <a:endParaRPr lang="ko-KR" altLang="en-US" dirty="0"/>
+              <a:t>오픈소스 참조</a:t>
+            </a:r>
           </a:p>
         </p:txBody>
       </p:sp>
@@ -39188,6 +39804,350 @@
           <a:p>
             <a:r>
               <a:rPr lang="ko-KR" altLang="en-US" dirty="0"/>
+              <a:t>오픈소스 소개</a:t>
+            </a:r>
+            <a:endParaRPr lang="en-US" altLang="ko-KR" dirty="0"/>
+          </a:p>
+          <a:p>
+            <a:pPr marL="0" indent="0">
+              <a:buNone/>
+            </a:pPr>
+            <a:r>
+              <a:rPr lang="en-US" altLang="ko-KR" sz="1800" b="0" dirty="0">
+                <a:latin typeface="+mn-ea"/>
+              </a:rPr>
+              <a:t>  </a:t>
+            </a:r>
+            <a:r>
+              <a:rPr lang="ko-KR" altLang="en-US" sz="1800" b="0" dirty="0">
+                <a:latin typeface="+mn-ea"/>
+              </a:rPr>
+              <a:t>네이버 오픈소스 가이드 </a:t>
+            </a:r>
+            <a:r>
+              <a:rPr lang="en-US" altLang="ko-KR" sz="1800" b="0" dirty="0">
+                <a:latin typeface="+mn-ea"/>
+              </a:rPr>
+              <a:t>:     </a:t>
+            </a:r>
+          </a:p>
+          <a:p>
+            <a:pPr marL="0" indent="0">
+              <a:buNone/>
+            </a:pPr>
+            <a:r>
+              <a:rPr lang="en-US" altLang="ko-KR" sz="1800" b="0" dirty="0">
+                <a:hlinkClick r:id="rId3"/>
+              </a:rPr>
+              <a:t>  </a:t>
+            </a:r>
+            <a:r>
+              <a:rPr lang="en-US" altLang="ko-KR" sz="1800" b="0" dirty="0">
+                <a:latin typeface="+mn-ea"/>
+                <a:hlinkClick r:id="rId3"/>
+              </a:rPr>
+              <a:t>https://naver.github.io/OpenSourceGuide/book/</a:t>
+            </a:r>
+            <a:endParaRPr lang="en-US" altLang="ko-KR" sz="1800" b="0" dirty="0">
+              <a:latin typeface="+mn-ea"/>
+            </a:endParaRPr>
+          </a:p>
+          <a:p>
+            <a:pPr marL="533400" lvl="1" indent="-266700">
+              <a:buFont typeface="+mj-ea"/>
+              <a:buAutoNum type="circleNumDbPlain"/>
+            </a:pPr>
+            <a:endParaRPr lang="en-US" altLang="ko-KR" dirty="0">
+              <a:latin typeface="+mn-ea"/>
+            </a:endParaRPr>
+          </a:p>
+        </p:txBody>
+      </p:sp>
+      <p:sp>
+        <p:nvSpPr>
+          <p:cNvPr id="3" name="슬라이드 번호 개체 틀 2">
+            <a:extLst>
+              <a:ext uri="{FF2B5EF4-FFF2-40B4-BE49-F238E27FC236}">
+                <a16:creationId xmlns:a16="http://schemas.microsoft.com/office/drawing/2014/main" id="{E7077362-8864-43F0-9B0D-3A411B8CBC1E}"/>
+              </a:ext>
+            </a:extLst>
+          </p:cNvPr>
+          <p:cNvSpPr>
+            <a:spLocks noGrp="1"/>
+          </p:cNvSpPr>
+          <p:nvPr>
+            <p:ph type="sldNum" sz="quarter" idx="12"/>
+          </p:nvPr>
+        </p:nvSpPr>
+        <p:spPr/>
+        <p:txBody>
+          <a:bodyPr/>
+          <a:lstStyle/>
+          <a:p>
+            <a:fld id="{526ADF51-C4A2-4521-899C-87F34FDB9C0A}" type="slidenum">
+              <a:rPr lang="ko-KR" altLang="en-US" smtClean="0"/>
+              <a:pPr/>
+              <a:t>48</a:t>
+            </a:fld>
+            <a:r>
+              <a:rPr lang="en-US" altLang="ko-KR"/>
+              <a:t>/46</a:t>
+            </a:r>
+            <a:endParaRPr lang="ko-KR" altLang="en-US" dirty="0"/>
+          </a:p>
+        </p:txBody>
+      </p:sp>
+    </p:spTree>
+    <p:extLst>
+      <p:ext uri="{BB962C8B-B14F-4D97-AF65-F5344CB8AC3E}">
+        <p14:creationId xmlns:p14="http://schemas.microsoft.com/office/powerpoint/2010/main" val="643486013"/>
+      </p:ext>
+    </p:extLst>
+  </p:cSld>
+  <p:clrMapOvr>
+    <a:masterClrMapping/>
+  </p:clrMapOvr>
+</p:sld>
+</file>
+
+<file path=ppt/slides/slide49.xml><?xml version="1.0" encoding="utf-8"?>
+<p:sld xmlns:a="http://schemas.openxmlformats.org/drawingml/2006/main" xmlns:r="http://schemas.openxmlformats.org/officeDocument/2006/relationships" xmlns:p="http://schemas.openxmlformats.org/presentationml/2006/main">
+  <p:cSld>
+    <p:spTree>
+      <p:nvGrpSpPr>
+        <p:cNvPr id="1" name=""/>
+        <p:cNvGrpSpPr/>
+        <p:nvPr/>
+      </p:nvGrpSpPr>
+      <p:grpSpPr>
+        <a:xfrm>
+          <a:off x="0" y="0"/>
+          <a:ext cx="0" cy="0"/>
+          <a:chOff x="0" y="0"/>
+          <a:chExt cx="0" cy="0"/>
+        </a:xfrm>
+      </p:grpSpPr>
+      <p:sp>
+        <p:nvSpPr>
+          <p:cNvPr id="4" name="제목 3">
+            <a:extLst>
+              <a:ext uri="{FF2B5EF4-FFF2-40B4-BE49-F238E27FC236}">
+                <a16:creationId xmlns:a16="http://schemas.microsoft.com/office/drawing/2014/main" id="{F0CEB32B-CB43-4410-BA08-A97E4BC47FCB}"/>
+              </a:ext>
+            </a:extLst>
+          </p:cNvPr>
+          <p:cNvSpPr>
+            <a:spLocks noGrp="1"/>
+          </p:cNvSpPr>
+          <p:nvPr>
+            <p:ph type="title"/>
+          </p:nvPr>
+        </p:nvSpPr>
+        <p:spPr>
+          <a:xfrm>
+            <a:off x="539551" y="192300"/>
+            <a:ext cx="8244853" cy="576064"/>
+          </a:xfrm>
+        </p:spPr>
+        <p:txBody>
+          <a:bodyPr>
+            <a:normAutofit/>
+          </a:bodyPr>
+          <a:lstStyle/>
+          <a:p>
+            <a:r>
+              <a:rPr lang="en-US" altLang="ko-KR" dirty="0"/>
+              <a:t>Fork</a:t>
+            </a:r>
+            <a:r>
+              <a:rPr lang="ko-KR" altLang="en-US" dirty="0"/>
+              <a:t>후</a:t>
+            </a:r>
+            <a:r>
+              <a:rPr lang="en-US" altLang="ko-KR" dirty="0"/>
+              <a:t>, collaborator </a:t>
+            </a:r>
+            <a:r>
+              <a:rPr lang="ko-KR" altLang="en-US" dirty="0"/>
+              <a:t>선정되면</a:t>
+            </a:r>
+            <a:r>
+              <a:rPr lang="en-US" altLang="ko-KR" dirty="0"/>
+              <a:t>?</a:t>
+            </a:r>
+            <a:endParaRPr lang="ko-KR" altLang="en-US" dirty="0"/>
+          </a:p>
+        </p:txBody>
+      </p:sp>
+      <p:sp>
+        <p:nvSpPr>
+          <p:cNvPr id="11" name="내용 개체 틀 2">
+            <a:extLst>
+              <a:ext uri="{FF2B5EF4-FFF2-40B4-BE49-F238E27FC236}">
+                <a16:creationId xmlns:a16="http://schemas.microsoft.com/office/drawing/2014/main" id="{A44AC902-3746-40D6-9827-94B46EEDDC67}"/>
+              </a:ext>
+            </a:extLst>
+          </p:cNvPr>
+          <p:cNvSpPr txBox="1">
+            <a:spLocks/>
+          </p:cNvSpPr>
+          <p:nvPr/>
+        </p:nvSpPr>
+        <p:spPr>
+          <a:xfrm>
+            <a:off x="341787" y="957257"/>
+            <a:ext cx="8642350" cy="5225829"/>
+          </a:xfrm>
+          <a:prstGeom prst="rect">
+            <a:avLst/>
+          </a:prstGeom>
+        </p:spPr>
+        <p:txBody>
+          <a:bodyPr vert="horz" lIns="91440" tIns="45720" rIns="91440" bIns="45720" rtlCol="0">
+            <a:noAutofit/>
+          </a:bodyPr>
+          <a:lstStyle>
+            <a:lvl1pPr marL="266700" indent="-266700" defTabSz="914400" latinLnBrk="1">
+              <a:lnSpc>
+                <a:spcPct val="150000"/>
+              </a:lnSpc>
+              <a:spcBef>
+                <a:spcPct val="0"/>
+              </a:spcBef>
+              <a:buClr>
+                <a:schemeClr val="tx1">
+                  <a:lumMod val="65000"/>
+                  <a:lumOff val="35000"/>
+                </a:schemeClr>
+              </a:buClr>
+              <a:buFont typeface="Wingdings" pitchFamily="2" charset="2"/>
+              <a:buChar char="n"/>
+              <a:defRPr sz="2000" b="1">
+                <a:latin typeface="+mn-ea"/>
+              </a:defRPr>
+            </a:lvl1pPr>
+            <a:lvl2pPr marL="447675" lvl="1" indent="-180975" defTabSz="914400" latinLnBrk="1">
+              <a:lnSpc>
+                <a:spcPct val="150000"/>
+              </a:lnSpc>
+              <a:spcBef>
+                <a:spcPts val="0"/>
+              </a:spcBef>
+              <a:spcAft>
+                <a:spcPts val="0"/>
+              </a:spcAft>
+              <a:buClr>
+                <a:schemeClr val="tx1">
+                  <a:lumMod val="50000"/>
+                  <a:lumOff val="50000"/>
+                </a:schemeClr>
+              </a:buClr>
+              <a:buFont typeface="Wingdings" pitchFamily="2" charset="2"/>
+              <a:buChar char="§"/>
+              <a:defRPr sz="1600"/>
+            </a:lvl2pPr>
+            <a:lvl3pPr marL="628650" indent="-180975" defTabSz="914400" latinLnBrk="1">
+              <a:lnSpc>
+                <a:spcPct val="150000"/>
+              </a:lnSpc>
+              <a:spcBef>
+                <a:spcPts val="500"/>
+              </a:spcBef>
+              <a:spcAft>
+                <a:spcPts val="300"/>
+              </a:spcAft>
+              <a:buClr>
+                <a:schemeClr val="tx1">
+                  <a:lumMod val="65000"/>
+                  <a:lumOff val="35000"/>
+                </a:schemeClr>
+              </a:buClr>
+              <a:buFont typeface="Arial" panose="020B0604020202020204" pitchFamily="34" charset="0"/>
+              <a:buChar char="•"/>
+              <a:defRPr sz="1400"/>
+            </a:lvl3pPr>
+            <a:lvl4pPr marL="809625" indent="-180975" defTabSz="914400" latinLnBrk="1">
+              <a:lnSpc>
+                <a:spcPct val="150000"/>
+              </a:lnSpc>
+              <a:spcBef>
+                <a:spcPts val="500"/>
+              </a:spcBef>
+              <a:spcAft>
+                <a:spcPts val="300"/>
+              </a:spcAft>
+              <a:buClr>
+                <a:schemeClr val="tx1">
+                  <a:lumMod val="65000"/>
+                  <a:lumOff val="35000"/>
+                </a:schemeClr>
+              </a:buClr>
+              <a:buSzPct val="96000"/>
+              <a:buFont typeface="Arial" panose="020B0604020202020204" pitchFamily="34" charset="0"/>
+              <a:buChar char="•"/>
+              <a:defRPr sz="1200"/>
+            </a:lvl4pPr>
+            <a:lvl5pPr marL="990600" indent="-180975" defTabSz="914400" latinLnBrk="1">
+              <a:lnSpc>
+                <a:spcPct val="150000"/>
+              </a:lnSpc>
+              <a:spcBef>
+                <a:spcPts val="500"/>
+              </a:spcBef>
+              <a:buClr>
+                <a:schemeClr val="tx1">
+                  <a:lumMod val="65000"/>
+                  <a:lumOff val="35000"/>
+                </a:schemeClr>
+              </a:buClr>
+              <a:buFont typeface="Arial" panose="020B0604020202020204" pitchFamily="34" charset="0"/>
+              <a:buChar char="•"/>
+              <a:defRPr sz="1000"/>
+            </a:lvl5pPr>
+            <a:lvl6pPr marL="2514600" indent="-228600" defTabSz="914400" latinLnBrk="1">
+              <a:lnSpc>
+                <a:spcPct val="90000"/>
+              </a:lnSpc>
+              <a:spcBef>
+                <a:spcPts val="500"/>
+              </a:spcBef>
+              <a:buFont typeface="Arial" panose="020B0604020202020204" pitchFamily="34" charset="0"/>
+              <a:buChar char="•"/>
+            </a:lvl6pPr>
+            <a:lvl7pPr marL="2971800" indent="-228600" defTabSz="914400" latinLnBrk="1">
+              <a:lnSpc>
+                <a:spcPct val="90000"/>
+              </a:lnSpc>
+              <a:spcBef>
+                <a:spcPts val="500"/>
+              </a:spcBef>
+              <a:buFont typeface="Arial" panose="020B0604020202020204" pitchFamily="34" charset="0"/>
+              <a:buChar char="•"/>
+            </a:lvl7pPr>
+            <a:lvl8pPr marL="3429000" indent="-228600" defTabSz="914400" latinLnBrk="1">
+              <a:lnSpc>
+                <a:spcPct val="90000"/>
+              </a:lnSpc>
+              <a:spcBef>
+                <a:spcPts val="500"/>
+              </a:spcBef>
+              <a:buFont typeface="Arial" panose="020B0604020202020204" pitchFamily="34" charset="0"/>
+              <a:buChar char="•"/>
+            </a:lvl8pPr>
+            <a:lvl9pPr marL="3886200" indent="-228600" defTabSz="914400" latinLnBrk="1">
+              <a:lnSpc>
+                <a:spcPct val="90000"/>
+              </a:lnSpc>
+              <a:spcBef>
+                <a:spcPts val="500"/>
+              </a:spcBef>
+              <a:buFont typeface="Arial" panose="020B0604020202020204" pitchFamily="34" charset="0"/>
+              <a:buChar char="•"/>
+            </a:lvl9pPr>
+          </a:lstStyle>
+          <a:p>
+            <a:r>
+              <a:rPr lang="ko-KR" altLang="en-US" dirty="0"/>
               <a:t>나의 원격저장소에 </a:t>
             </a:r>
             <a:r>
@@ -39722,7 +40682,7 @@
             <a:fld id="{526ADF51-C4A2-4521-899C-87F34FDB9C0A}" type="slidenum">
               <a:rPr lang="ko-KR" altLang="en-US" smtClean="0"/>
               <a:pPr/>
-              <a:t>48</a:t>
+              <a:t>49</a:t>
             </a:fld>
             <a:r>
               <a:rPr lang="en-US" altLang="ko-KR"/>
